--- a/Manual/GPUFit_AddModelFunction.pptx
+++ b/Manual/GPUFit_AddModelFunction.pptx
@@ -6,13 +6,12 @@
   </p:sldMasterIdLst>
   <p:sldIdLst>
     <p:sldId id="256" r:id="rId2"/>
-    <p:sldId id="269" r:id="rId3"/>
-    <p:sldId id="265" r:id="rId4"/>
-    <p:sldId id="262" r:id="rId5"/>
-    <p:sldId id="263" r:id="rId6"/>
-    <p:sldId id="264" r:id="rId7"/>
-    <p:sldId id="270" r:id="rId8"/>
-    <p:sldId id="271" r:id="rId9"/>
+    <p:sldId id="265" r:id="rId3"/>
+    <p:sldId id="262" r:id="rId4"/>
+    <p:sldId id="263" r:id="rId5"/>
+    <p:sldId id="264" r:id="rId6"/>
+    <p:sldId id="270" r:id="rId7"/>
+    <p:sldId id="271" r:id="rId8"/>
   </p:sldIdLst>
   <p:sldSz cx="12192000" cy="6858000"/>
   <p:notesSz cx="6858000" cy="9144000"/>
@@ -266,7 +265,7 @@
           <a:p>
             <a:fld id="{936D1D9D-84BC-4BCB-A9C8-A4C8801FC11A}" type="datetimeFigureOut">
               <a:rPr lang="en-US" smtClean="0"/>
-              <a:t>12/18/2024</a:t>
+              <a:t>1/17/2025</a:t>
             </a:fld>
             <a:endParaRPr lang="en-US"/>
           </a:p>
@@ -464,7 +463,7 @@
           <a:p>
             <a:fld id="{936D1D9D-84BC-4BCB-A9C8-A4C8801FC11A}" type="datetimeFigureOut">
               <a:rPr lang="en-US" smtClean="0"/>
-              <a:t>12/18/2024</a:t>
+              <a:t>1/17/2025</a:t>
             </a:fld>
             <a:endParaRPr lang="en-US"/>
           </a:p>
@@ -672,7 +671,7 @@
           <a:p>
             <a:fld id="{936D1D9D-84BC-4BCB-A9C8-A4C8801FC11A}" type="datetimeFigureOut">
               <a:rPr lang="en-US" smtClean="0"/>
-              <a:t>12/18/2024</a:t>
+              <a:t>1/17/2025</a:t>
             </a:fld>
             <a:endParaRPr lang="en-US"/>
           </a:p>
@@ -870,7 +869,7 @@
           <a:p>
             <a:fld id="{936D1D9D-84BC-4BCB-A9C8-A4C8801FC11A}" type="datetimeFigureOut">
               <a:rPr lang="en-US" smtClean="0"/>
-              <a:t>12/18/2024</a:t>
+              <a:t>1/17/2025</a:t>
             </a:fld>
             <a:endParaRPr lang="en-US"/>
           </a:p>
@@ -1145,7 +1144,7 @@
           <a:p>
             <a:fld id="{936D1D9D-84BC-4BCB-A9C8-A4C8801FC11A}" type="datetimeFigureOut">
               <a:rPr lang="en-US" smtClean="0"/>
-              <a:t>12/18/2024</a:t>
+              <a:t>1/17/2025</a:t>
             </a:fld>
             <a:endParaRPr lang="en-US"/>
           </a:p>
@@ -1410,7 +1409,7 @@
           <a:p>
             <a:fld id="{936D1D9D-84BC-4BCB-A9C8-A4C8801FC11A}" type="datetimeFigureOut">
               <a:rPr lang="en-US" smtClean="0"/>
-              <a:t>12/18/2024</a:t>
+              <a:t>1/17/2025</a:t>
             </a:fld>
             <a:endParaRPr lang="en-US"/>
           </a:p>
@@ -1822,7 +1821,7 @@
           <a:p>
             <a:fld id="{936D1D9D-84BC-4BCB-A9C8-A4C8801FC11A}" type="datetimeFigureOut">
               <a:rPr lang="en-US" smtClean="0"/>
-              <a:t>12/18/2024</a:t>
+              <a:t>1/17/2025</a:t>
             </a:fld>
             <a:endParaRPr lang="en-US"/>
           </a:p>
@@ -1963,7 +1962,7 @@
           <a:p>
             <a:fld id="{936D1D9D-84BC-4BCB-A9C8-A4C8801FC11A}" type="datetimeFigureOut">
               <a:rPr lang="en-US" smtClean="0"/>
-              <a:t>12/18/2024</a:t>
+              <a:t>1/17/2025</a:t>
             </a:fld>
             <a:endParaRPr lang="en-US"/>
           </a:p>
@@ -2076,7 +2075,7 @@
           <a:p>
             <a:fld id="{936D1D9D-84BC-4BCB-A9C8-A4C8801FC11A}" type="datetimeFigureOut">
               <a:rPr lang="en-US" smtClean="0"/>
-              <a:t>12/18/2024</a:t>
+              <a:t>1/17/2025</a:t>
             </a:fld>
             <a:endParaRPr lang="en-US"/>
           </a:p>
@@ -2387,7 +2386,7 @@
           <a:p>
             <a:fld id="{936D1D9D-84BC-4BCB-A9C8-A4C8801FC11A}" type="datetimeFigureOut">
               <a:rPr lang="en-US" smtClean="0"/>
-              <a:t>12/18/2024</a:t>
+              <a:t>1/17/2025</a:t>
             </a:fld>
             <a:endParaRPr lang="en-US"/>
           </a:p>
@@ -2675,7 +2674,7 @@
           <a:p>
             <a:fld id="{936D1D9D-84BC-4BCB-A9C8-A4C8801FC11A}" type="datetimeFigureOut">
               <a:rPr lang="en-US" smtClean="0"/>
-              <a:t>12/18/2024</a:t>
+              <a:t>1/17/2025</a:t>
             </a:fld>
             <a:endParaRPr lang="en-US"/>
           </a:p>
@@ -2916,7 +2915,7 @@
           <a:p>
             <a:fld id="{936D1D9D-84BC-4BCB-A9C8-A4C8801FC11A}" type="datetimeFigureOut">
               <a:rPr lang="en-US" smtClean="0"/>
-              <a:t>12/18/2024</a:t>
+              <a:t>1/17/2025</a:t>
             </a:fld>
             <a:endParaRPr lang="en-US"/>
           </a:p>
@@ -3374,10 +3373,10 @@
       </p:sp>
       <p:sp>
         <p:nvSpPr>
-          <p:cNvPr id="6" name="TextBox 5">
-            <a:extLst>
-              <a:ext uri="{FF2B5EF4-FFF2-40B4-BE49-F238E27FC236}">
-                <a16:creationId xmlns:a16="http://schemas.microsoft.com/office/drawing/2014/main" id="{EE0B2519-2510-401A-ABC8-F07FC0F4AFD8}"/>
+          <p:cNvPr id="3" name="TextBox 2">
+            <a:extLst>
+              <a:ext uri="{FF2B5EF4-FFF2-40B4-BE49-F238E27FC236}">
+                <a16:creationId xmlns:a16="http://schemas.microsoft.com/office/drawing/2014/main" id="{B665B1F7-398C-958C-CFEC-61ABE35F5529}"/>
               </a:ext>
             </a:extLst>
           </p:cNvPr>
@@ -3386,8 +3385,8 @@
         </p:nvSpPr>
         <p:spPr>
           <a:xfrm>
-            <a:off x="1982534" y="5132103"/>
-            <a:ext cx="8226932" cy="707886"/>
+            <a:off x="1935018" y="4361958"/>
+            <a:ext cx="8603674" cy="1200329"/>
           </a:xfrm>
           <a:prstGeom prst="rect">
             <a:avLst/>
@@ -3395,64 +3394,67 @@
           <a:noFill/>
         </p:spPr>
         <p:txBody>
-          <a:bodyPr wrap="none" rtlCol="0">
+          <a:bodyPr wrap="square">
             <a:spAutoFit/>
           </a:bodyPr>
           <a:lstStyle/>
           <a:p>
-            <a:pPr algn="ctr"/>
-            <a:r>
-              <a:rPr lang="en-US" sz="2000" dirty="0" err="1">
+            <a:pPr algn="just"/>
+            <a:r>
+              <a:rPr lang="en-US" altLang="ja-JP" sz="2400" dirty="0">
+                <a:latin typeface="Arial" panose="020B0604020202020204" pitchFamily="34" charset="0"/>
+                <a:cs typeface="Arial" panose="020B0604020202020204" pitchFamily="34" charset="0"/>
+              </a:rPr>
+              <a:t>We strongly recommend to follow the installation procedure in </a:t>
+            </a:r>
+          </a:p>
+          <a:p>
+            <a:pPr algn="just"/>
+            <a:r>
+              <a:rPr lang="en-US" altLang="ja-JP" sz="2400" dirty="0" err="1">
                 <a:latin typeface="Arial" panose="020B0604020202020204" pitchFamily="34" charset="0"/>
                 <a:cs typeface="Arial" panose="020B0604020202020204" pitchFamily="34" charset="0"/>
               </a:rPr>
               <a:t>Gpufit</a:t>
             </a:r>
             <a:r>
-              <a:rPr lang="en-US" sz="2000" dirty="0">
+              <a:rPr lang="en-US" altLang="ja-JP" sz="2400" dirty="0">
                 <a:latin typeface="Arial" panose="020B0604020202020204" pitchFamily="34" charset="0"/>
                 <a:cs typeface="Arial" panose="020B0604020202020204" pitchFamily="34" charset="0"/>
               </a:rPr>
-              <a:t> GitHub repository: </a:t>
-            </a:r>
-            <a:r>
-              <a:rPr lang="en-US" altLang="ja-JP" sz="2000" dirty="0">
-                <a:latin typeface="Arial" panose="020B0604020202020204" pitchFamily="34" charset="0"/>
-                <a:cs typeface="Arial" panose="020B0604020202020204" pitchFamily="34" charset="0"/>
-                <a:hlinkClick r:id="rId2"/>
-              </a:rPr>
-              <a:t>https://github.com/gpufit/Gpufit</a:t>
-            </a:r>
-            <a:endParaRPr lang="en-US" altLang="ja-JP" sz="2000" dirty="0">
-              <a:latin typeface="Arial" panose="020B0604020202020204" pitchFamily="34" charset="0"/>
-              <a:cs typeface="Arial" panose="020B0604020202020204" pitchFamily="34" charset="0"/>
-            </a:endParaRPr>
-          </a:p>
-          <a:p>
-            <a:pPr algn="ctr"/>
-            <a:r>
-              <a:rPr lang="en-US" altLang="ja-JP" sz="2000" dirty="0" err="1">
+              <a:t> documentation:</a:t>
+            </a:r>
+          </a:p>
+          <a:p>
+            <a:pPr algn="just"/>
+            <a:r>
+              <a:rPr lang="en-US" altLang="ja-JP" sz="2400" dirty="0">
                 <a:latin typeface="Arial" panose="020B0604020202020204" pitchFamily="34" charset="0"/>
                 <a:cs typeface="Arial" panose="020B0604020202020204" pitchFamily="34" charset="0"/>
               </a:rPr>
-              <a:t>Gpufit</a:t>
-            </a:r>
-            <a:r>
-              <a:rPr lang="en-US" altLang="ja-JP" sz="2000" dirty="0">
+              <a:t> </a:t>
+            </a:r>
+            <a:r>
+              <a:rPr lang="en-US" altLang="ja-JP" sz="2400" dirty="0">
+                <a:solidFill>
+                  <a:schemeClr val="accent1"/>
+                </a:solidFill>
                 <a:latin typeface="Arial" panose="020B0604020202020204" pitchFamily="34" charset="0"/>
                 <a:cs typeface="Arial" panose="020B0604020202020204" pitchFamily="34" charset="0"/>
-              </a:rPr>
-              <a:t> documentation: </a:t>
-            </a:r>
-            <a:r>
-              <a:rPr lang="en-US" altLang="ja-JP" sz="2000" dirty="0">
-                <a:latin typeface="Arial" panose="020B0604020202020204" pitchFamily="34" charset="0"/>
-                <a:cs typeface="Arial" panose="020B0604020202020204" pitchFamily="34" charset="0"/>
-                <a:hlinkClick r:id="rId3"/>
+                <a:hlinkClick r:id="rId2">
+                  <a:extLst>
+                    <a:ext uri="{A12FA001-AC4F-418D-AE19-62706E023703}">
+                      <ahyp:hlinkClr xmlns:ahyp="http://schemas.microsoft.com/office/drawing/2018/hyperlinkcolor" val="tx"/>
+                    </a:ext>
+                  </a:extLst>
+                </a:hlinkClick>
               </a:rPr>
               <a:t>https://gpufit.readthedocs.io/en/latest/index.html</a:t>
             </a:r>
-            <a:endParaRPr lang="en-US" altLang="ja-JP" sz="2000" dirty="0">
+            <a:endParaRPr lang="en-US" altLang="ja-JP" sz="2400" dirty="0">
+              <a:solidFill>
+                <a:schemeClr val="accent1"/>
+              </a:solidFill>
               <a:latin typeface="Arial" panose="020B0604020202020204" pitchFamily="34" charset="0"/>
               <a:cs typeface="Arial" panose="020B0604020202020204" pitchFamily="34" charset="0"/>
             </a:endParaRPr>
@@ -3489,12 +3491,41 @@
           <a:chExt cx="0" cy="0"/>
         </a:xfrm>
       </p:grpSpPr>
+      <p:pic>
+        <p:nvPicPr>
+          <p:cNvPr id="4" name="Picture 3">
+            <a:extLst>
+              <a:ext uri="{FF2B5EF4-FFF2-40B4-BE49-F238E27FC236}">
+                <a16:creationId xmlns:a16="http://schemas.microsoft.com/office/drawing/2014/main" id="{10A6B0CF-6483-4456-928F-7947E5E8C3D8}"/>
+              </a:ext>
+            </a:extLst>
+          </p:cNvPr>
+          <p:cNvPicPr>
+            <a:picLocks noChangeAspect="1"/>
+          </p:cNvPicPr>
+          <p:nvPr/>
+        </p:nvPicPr>
+        <p:blipFill>
+          <a:blip r:embed="rId2"/>
+          <a:srcRect b="23143"/>
+          <a:stretch/>
+        </p:blipFill>
+        <p:spPr>
+          <a:xfrm>
+            <a:off x="0" y="1868940"/>
+            <a:ext cx="12192000" cy="4989060"/>
+          </a:xfrm>
+          <a:prstGeom prst="rect">
+            <a:avLst/>
+          </a:prstGeom>
+        </p:spPr>
+      </p:pic>
       <p:sp>
         <p:nvSpPr>
           <p:cNvPr id="5" name="Rectangle 4">
             <a:extLst>
               <a:ext uri="{FF2B5EF4-FFF2-40B4-BE49-F238E27FC236}">
-                <a16:creationId xmlns:a16="http://schemas.microsoft.com/office/drawing/2014/main" id="{F7806A0F-F427-4A2C-B192-40BD9D6ECF8C}"/>
+                <a16:creationId xmlns:a16="http://schemas.microsoft.com/office/drawing/2014/main" id="{ACBABC8D-A0E7-497B-BF60-962352C9E71E}"/>
               </a:ext>
             </a:extLst>
           </p:cNvPr>
@@ -3503,8 +3534,197 @@
         </p:nvSpPr>
         <p:spPr>
           <a:xfrm>
-            <a:off x="461555" y="657275"/>
-            <a:ext cx="9396548" cy="461665"/>
+            <a:off x="476250" y="4298205"/>
+            <a:ext cx="1355272" cy="141516"/>
+          </a:xfrm>
+          <a:prstGeom prst="rect">
+            <a:avLst/>
+          </a:prstGeom>
+          <a:noFill/>
+          <a:ln w="12700">
+            <a:solidFill>
+              <a:srgbClr val="FF0000"/>
+            </a:solidFill>
+          </a:ln>
+        </p:spPr>
+        <p:style>
+          <a:lnRef idx="2">
+            <a:schemeClr val="accent1">
+              <a:shade val="50000"/>
+            </a:schemeClr>
+          </a:lnRef>
+          <a:fillRef idx="1">
+            <a:schemeClr val="accent1"/>
+          </a:fillRef>
+          <a:effectRef idx="0">
+            <a:schemeClr val="accent1"/>
+          </a:effectRef>
+          <a:fontRef idx="minor">
+            <a:schemeClr val="lt1"/>
+          </a:fontRef>
+        </p:style>
+        <p:txBody>
+          <a:bodyPr rtlCol="0" anchor="ctr"/>
+          <a:lstStyle/>
+          <a:p>
+            <a:pPr algn="ctr"/>
+            <a:endParaRPr lang="en-US"/>
+          </a:p>
+        </p:txBody>
+      </p:sp>
+      <p:sp>
+        <p:nvSpPr>
+          <p:cNvPr id="6" name="TextBox 5">
+            <a:extLst>
+              <a:ext uri="{FF2B5EF4-FFF2-40B4-BE49-F238E27FC236}">
+                <a16:creationId xmlns:a16="http://schemas.microsoft.com/office/drawing/2014/main" id="{5B01C5F8-90A5-4D48-8D91-C90482B4B9AC}"/>
+              </a:ext>
+            </a:extLst>
+          </p:cNvPr>
+          <p:cNvSpPr txBox="1"/>
+          <p:nvPr/>
+        </p:nvSpPr>
+        <p:spPr>
+          <a:xfrm>
+            <a:off x="2767584" y="4184297"/>
+            <a:ext cx="5314275" cy="369332"/>
+          </a:xfrm>
+          <a:prstGeom prst="rect">
+            <a:avLst/>
+          </a:prstGeom>
+          <a:solidFill>
+            <a:schemeClr val="bg2"/>
+          </a:solidFill>
+        </p:spPr>
+        <p:txBody>
+          <a:bodyPr wrap="none" rtlCol="0">
+            <a:spAutoFit/>
+          </a:bodyPr>
+          <a:lstStyle/>
+          <a:p>
+            <a:r>
+              <a:rPr lang="en-US" dirty="0">
+                <a:latin typeface="Arial" panose="020B0604020202020204" pitchFamily="34" charset="0"/>
+                <a:cs typeface="Arial" panose="020B0604020202020204" pitchFamily="34" charset="0"/>
+              </a:rPr>
+              <a:t>3. Define an additional model ID in file constants.h</a:t>
+            </a:r>
+          </a:p>
+        </p:txBody>
+      </p:sp>
+      <p:sp>
+        <p:nvSpPr>
+          <p:cNvPr id="7" name="Rectangle 6">
+            <a:extLst>
+              <a:ext uri="{FF2B5EF4-FFF2-40B4-BE49-F238E27FC236}">
+                <a16:creationId xmlns:a16="http://schemas.microsoft.com/office/drawing/2014/main" id="{870F2824-54E9-4B33-A756-B5FCAFB9363E}"/>
+              </a:ext>
+            </a:extLst>
+          </p:cNvPr>
+          <p:cNvSpPr/>
+          <p:nvPr/>
+        </p:nvSpPr>
+        <p:spPr>
+          <a:xfrm>
+            <a:off x="1569466" y="2254013"/>
+            <a:ext cx="832358" cy="141516"/>
+          </a:xfrm>
+          <a:prstGeom prst="rect">
+            <a:avLst/>
+          </a:prstGeom>
+          <a:noFill/>
+          <a:ln w="12700">
+            <a:solidFill>
+              <a:srgbClr val="FF0000"/>
+            </a:solidFill>
+          </a:ln>
+        </p:spPr>
+        <p:style>
+          <a:lnRef idx="2">
+            <a:schemeClr val="accent1">
+              <a:shade val="50000"/>
+            </a:schemeClr>
+          </a:lnRef>
+          <a:fillRef idx="1">
+            <a:schemeClr val="accent1"/>
+          </a:fillRef>
+          <a:effectRef idx="0">
+            <a:schemeClr val="accent1"/>
+          </a:effectRef>
+          <a:fontRef idx="minor">
+            <a:schemeClr val="lt1"/>
+          </a:fontRef>
+        </p:style>
+        <p:txBody>
+          <a:bodyPr rtlCol="0" anchor="ctr"/>
+          <a:lstStyle/>
+          <a:p>
+            <a:pPr algn="ctr"/>
+            <a:endParaRPr lang="en-US"/>
+          </a:p>
+        </p:txBody>
+      </p:sp>
+      <p:cxnSp>
+        <p:nvCxnSpPr>
+          <p:cNvPr id="8" name="Straight Arrow Connector 7">
+            <a:extLst>
+              <a:ext uri="{FF2B5EF4-FFF2-40B4-BE49-F238E27FC236}">
+                <a16:creationId xmlns:a16="http://schemas.microsoft.com/office/drawing/2014/main" id="{176BB1E9-E2C7-4FFC-98CD-81EA81F4991F}"/>
+              </a:ext>
+            </a:extLst>
+          </p:cNvPr>
+          <p:cNvCxnSpPr>
+            <a:cxnSpLocks/>
+            <a:stCxn id="6" idx="1"/>
+          </p:cNvCxnSpPr>
+          <p:nvPr/>
+        </p:nvCxnSpPr>
+        <p:spPr>
+          <a:xfrm flipH="1">
+            <a:off x="2203378" y="4368963"/>
+            <a:ext cx="564206" cy="0"/>
+          </a:xfrm>
+          <a:prstGeom prst="straightConnector1">
+            <a:avLst/>
+          </a:prstGeom>
+          <a:ln w="38100">
+            <a:solidFill>
+              <a:srgbClr val="FFFF00"/>
+            </a:solidFill>
+            <a:tailEnd type="triangle"/>
+          </a:ln>
+        </p:spPr>
+        <p:style>
+          <a:lnRef idx="1">
+            <a:schemeClr val="accent1"/>
+          </a:lnRef>
+          <a:fillRef idx="0">
+            <a:schemeClr val="accent1"/>
+          </a:fillRef>
+          <a:effectRef idx="0">
+            <a:schemeClr val="accent1"/>
+          </a:effectRef>
+          <a:fontRef idx="minor">
+            <a:schemeClr val="tx1"/>
+          </a:fontRef>
+        </p:style>
+      </p:cxnSp>
+      <p:sp>
+        <p:nvSpPr>
+          <p:cNvPr id="9" name="Rectangle 8">
+            <a:extLst>
+              <a:ext uri="{FF2B5EF4-FFF2-40B4-BE49-F238E27FC236}">
+                <a16:creationId xmlns:a16="http://schemas.microsoft.com/office/drawing/2014/main" id="{089FB351-763F-FFBC-552F-1DEEB2A1A3A4}"/>
+              </a:ext>
+            </a:extLst>
+          </p:cNvPr>
+          <p:cNvSpPr/>
+          <p:nvPr/>
+        </p:nvSpPr>
+        <p:spPr>
+          <a:xfrm>
+            <a:off x="230909" y="368594"/>
+            <a:ext cx="1219463" cy="461665"/>
           </a:xfrm>
           <a:prstGeom prst="rect">
             <a:avLst/>
@@ -3535,10 +3755,10 @@
       </p:sp>
       <p:sp>
         <p:nvSpPr>
-          <p:cNvPr id="6" name="Rectangle 5">
-            <a:extLst>
-              <a:ext uri="{FF2B5EF4-FFF2-40B4-BE49-F238E27FC236}">
-                <a16:creationId xmlns:a16="http://schemas.microsoft.com/office/drawing/2014/main" id="{B7F11542-D5B9-4A5D-86B0-A4DE8BEF2BBB}"/>
+          <p:cNvPr id="10" name="Rectangle 9">
+            <a:extLst>
+              <a:ext uri="{FF2B5EF4-FFF2-40B4-BE49-F238E27FC236}">
+                <a16:creationId xmlns:a16="http://schemas.microsoft.com/office/drawing/2014/main" id="{6B3CCDD6-6FD5-9B0B-8F1F-AB7DC9320603}"/>
               </a:ext>
             </a:extLst>
           </p:cNvPr>
@@ -3547,7 +3767,7 @@
         </p:nvSpPr>
         <p:spPr>
           <a:xfrm>
-            <a:off x="1301355" y="1617697"/>
+            <a:off x="1255173" y="483946"/>
             <a:ext cx="5844549" cy="1200329"/>
           </a:xfrm>
           <a:prstGeom prst="rect">
@@ -3583,7 +3803,7 @@
               <a:rPr lang="en-US" altLang="ja-JP" dirty="0">
                 <a:latin typeface="Arial" panose="020B0604020202020204" pitchFamily="34" charset="0"/>
                 <a:cs typeface="Arial" panose="020B0604020202020204" pitchFamily="34" charset="0"/>
-                <a:hlinkClick r:id="rId2"/>
+                <a:hlinkClick r:id="rId3"/>
               </a:rPr>
               <a:t>CUDA</a:t>
             </a:r>
@@ -3609,20 +3829,13 @@
               </a:rPr>
               <a:t>2. Download Visual Studio 2022</a:t>
             </a:r>
-            <a:r>
-              <a:rPr lang="en-US" dirty="0">
-                <a:latin typeface="Arial" panose="020B0604020202020204" pitchFamily="34" charset="0"/>
-                <a:cs typeface="Arial" panose="020B0604020202020204" pitchFamily="34" charset="0"/>
-              </a:rPr>
-              <a:t> </a:t>
-            </a:r>
           </a:p>
         </p:txBody>
       </p:sp>
     </p:spTree>
     <p:extLst>
       <p:ext uri="{BB962C8B-B14F-4D97-AF65-F5344CB8AC3E}">
-        <p14:creationId xmlns:p14="http://schemas.microsoft.com/office/powerpoint/2010/main" val="4097062321"/>
+        <p14:creationId xmlns:p14="http://schemas.microsoft.com/office/powerpoint/2010/main" val="2389948196"/>
       </p:ext>
     </p:extLst>
   </p:cSld>
@@ -3651,10 +3864,10 @@
       </p:grpSpPr>
       <p:pic>
         <p:nvPicPr>
-          <p:cNvPr id="4" name="Picture 3">
-            <a:extLst>
-              <a:ext uri="{FF2B5EF4-FFF2-40B4-BE49-F238E27FC236}">
-                <a16:creationId xmlns:a16="http://schemas.microsoft.com/office/drawing/2014/main" id="{10A6B0CF-6483-4456-928F-7947E5E8C3D8}"/>
+          <p:cNvPr id="8" name="Picture 7">
+            <a:extLst>
+              <a:ext uri="{FF2B5EF4-FFF2-40B4-BE49-F238E27FC236}">
+                <a16:creationId xmlns:a16="http://schemas.microsoft.com/office/drawing/2014/main" id="{916F9349-6E2B-4FE5-982D-420399FD4220}"/>
               </a:ext>
             </a:extLst>
           </p:cNvPr>
@@ -3671,8 +3884,8 @@
         </p:blipFill>
         <p:spPr>
           <a:xfrm>
-            <a:off x="0" y="183304"/>
-            <a:ext cx="12192000" cy="6491391"/>
+            <a:off x="0" y="300810"/>
+            <a:ext cx="12192000" cy="6256379"/>
           </a:xfrm>
           <a:prstGeom prst="rect">
             <a:avLst/>
@@ -3681,10 +3894,10 @@
       </p:pic>
       <p:sp>
         <p:nvSpPr>
-          <p:cNvPr id="5" name="Rectangle 4">
-            <a:extLst>
-              <a:ext uri="{FF2B5EF4-FFF2-40B4-BE49-F238E27FC236}">
-                <a16:creationId xmlns:a16="http://schemas.microsoft.com/office/drawing/2014/main" id="{ACBABC8D-A0E7-497B-BF60-962352C9E71E}"/>
+          <p:cNvPr id="9" name="Rectangle 8">
+            <a:extLst>
+              <a:ext uri="{FF2B5EF4-FFF2-40B4-BE49-F238E27FC236}">
+                <a16:creationId xmlns:a16="http://schemas.microsoft.com/office/drawing/2014/main" id="{5C8D292C-FD96-48BF-80F3-D1A92ABDC125}"/>
               </a:ext>
             </a:extLst>
           </p:cNvPr>
@@ -3693,8 +3906,8 @@
         </p:nvSpPr>
         <p:spPr>
           <a:xfrm>
-            <a:off x="476250" y="2612570"/>
-            <a:ext cx="1355272" cy="141516"/>
+            <a:off x="385501" y="1219125"/>
+            <a:ext cx="1874084" cy="138251"/>
           </a:xfrm>
           <a:prstGeom prst="rect">
             <a:avLst/>
@@ -3733,50 +3946,10 @@
       </p:sp>
       <p:sp>
         <p:nvSpPr>
-          <p:cNvPr id="6" name="TextBox 5">
-            <a:extLst>
-              <a:ext uri="{FF2B5EF4-FFF2-40B4-BE49-F238E27FC236}">
-                <a16:creationId xmlns:a16="http://schemas.microsoft.com/office/drawing/2014/main" id="{5B01C5F8-90A5-4D48-8D91-C90482B4B9AC}"/>
-              </a:ext>
-            </a:extLst>
-          </p:cNvPr>
-          <p:cNvSpPr txBox="1"/>
-          <p:nvPr/>
-        </p:nvSpPr>
-        <p:spPr>
-          <a:xfrm>
-            <a:off x="2767584" y="2498662"/>
-            <a:ext cx="5314275" cy="369332"/>
-          </a:xfrm>
-          <a:prstGeom prst="rect">
-            <a:avLst/>
-          </a:prstGeom>
-          <a:solidFill>
-            <a:schemeClr val="bg2"/>
-          </a:solidFill>
-        </p:spPr>
-        <p:txBody>
-          <a:bodyPr wrap="none" rtlCol="0">
-            <a:spAutoFit/>
-          </a:bodyPr>
-          <a:lstStyle/>
-          <a:p>
-            <a:r>
-              <a:rPr lang="en-US" dirty="0">
-                <a:latin typeface="Arial" panose="020B0604020202020204" pitchFamily="34" charset="0"/>
-                <a:cs typeface="Arial" panose="020B0604020202020204" pitchFamily="34" charset="0"/>
-              </a:rPr>
-              <a:t>3. Define an additional model ID in file constants.h</a:t>
-            </a:r>
-          </a:p>
-        </p:txBody>
-      </p:sp>
-      <p:sp>
-        <p:nvSpPr>
-          <p:cNvPr id="7" name="Rectangle 6">
-            <a:extLst>
-              <a:ext uri="{FF2B5EF4-FFF2-40B4-BE49-F238E27FC236}">
-                <a16:creationId xmlns:a16="http://schemas.microsoft.com/office/drawing/2014/main" id="{870F2824-54E9-4B33-A756-B5FCAFB9363E}"/>
+          <p:cNvPr id="10" name="Rectangle 9">
+            <a:extLst>
+              <a:ext uri="{FF2B5EF4-FFF2-40B4-BE49-F238E27FC236}">
+                <a16:creationId xmlns:a16="http://schemas.microsoft.com/office/drawing/2014/main" id="{E9811393-CDF8-4EB7-B7FB-FE1C536F1AA3}"/>
               </a:ext>
             </a:extLst>
           </p:cNvPr>
@@ -3785,8 +3958,8 @@
         </p:nvSpPr>
         <p:spPr>
           <a:xfrm>
-            <a:off x="1569466" y="568378"/>
-            <a:ext cx="832358" cy="141516"/>
+            <a:off x="590805" y="4056234"/>
+            <a:ext cx="8094616" cy="1223555"/>
           </a:xfrm>
           <a:prstGeom prst="rect">
             <a:avLst/>
@@ -3823,25 +3996,411 @@
           </a:p>
         </p:txBody>
       </p:sp>
+      <p:sp>
+        <p:nvSpPr>
+          <p:cNvPr id="11" name="Rectangle 10">
+            <a:extLst>
+              <a:ext uri="{FF2B5EF4-FFF2-40B4-BE49-F238E27FC236}">
+                <a16:creationId xmlns:a16="http://schemas.microsoft.com/office/drawing/2014/main" id="{532A47E3-DB7E-4D2A-9B13-911580B64424}"/>
+              </a:ext>
+            </a:extLst>
+          </p:cNvPr>
+          <p:cNvSpPr/>
+          <p:nvPr/>
+        </p:nvSpPr>
+        <p:spPr>
+          <a:xfrm>
+            <a:off x="130048" y="674623"/>
+            <a:ext cx="883413" cy="170689"/>
+          </a:xfrm>
+          <a:prstGeom prst="rect">
+            <a:avLst/>
+          </a:prstGeom>
+          <a:noFill/>
+          <a:ln w="12700">
+            <a:solidFill>
+              <a:srgbClr val="FF0000"/>
+            </a:solidFill>
+          </a:ln>
+        </p:spPr>
+        <p:style>
+          <a:lnRef idx="2">
+            <a:schemeClr val="accent1">
+              <a:shade val="50000"/>
+            </a:schemeClr>
+          </a:lnRef>
+          <a:fillRef idx="1">
+            <a:schemeClr val="accent1"/>
+          </a:fillRef>
+          <a:effectRef idx="0">
+            <a:schemeClr val="accent1"/>
+          </a:effectRef>
+          <a:fontRef idx="minor">
+            <a:schemeClr val="lt1"/>
+          </a:fontRef>
+        </p:style>
+        <p:txBody>
+          <a:bodyPr rtlCol="0" anchor="ctr"/>
+          <a:lstStyle/>
+          <a:p>
+            <a:pPr algn="ctr"/>
+            <a:endParaRPr lang="en-US"/>
+          </a:p>
+        </p:txBody>
+      </p:sp>
+      <p:sp>
+        <p:nvSpPr>
+          <p:cNvPr id="12" name="Rectangle 11">
+            <a:extLst>
+              <a:ext uri="{FF2B5EF4-FFF2-40B4-BE49-F238E27FC236}">
+                <a16:creationId xmlns:a16="http://schemas.microsoft.com/office/drawing/2014/main" id="{39460C3C-9513-4A19-B1CC-CD9B90E69ED0}"/>
+              </a:ext>
+            </a:extLst>
+          </p:cNvPr>
+          <p:cNvSpPr/>
+          <p:nvPr/>
+        </p:nvSpPr>
+        <p:spPr>
+          <a:xfrm>
+            <a:off x="385500" y="932034"/>
+            <a:ext cx="1874084" cy="246526"/>
+          </a:xfrm>
+          <a:prstGeom prst="rect">
+            <a:avLst/>
+          </a:prstGeom>
+          <a:noFill/>
+          <a:ln w="12700">
+            <a:solidFill>
+              <a:srgbClr val="FF0000"/>
+            </a:solidFill>
+          </a:ln>
+        </p:spPr>
+        <p:style>
+          <a:lnRef idx="2">
+            <a:schemeClr val="accent1">
+              <a:shade val="50000"/>
+            </a:schemeClr>
+          </a:lnRef>
+          <a:fillRef idx="1">
+            <a:schemeClr val="accent1"/>
+          </a:fillRef>
+          <a:effectRef idx="0">
+            <a:schemeClr val="accent1"/>
+          </a:effectRef>
+          <a:fontRef idx="minor">
+            <a:schemeClr val="lt1"/>
+          </a:fontRef>
+        </p:style>
+        <p:txBody>
+          <a:bodyPr rtlCol="0" anchor="ctr"/>
+          <a:lstStyle/>
+          <a:p>
+            <a:pPr algn="ctr"/>
+            <a:endParaRPr lang="en-US"/>
+          </a:p>
+        </p:txBody>
+      </p:sp>
+      <p:sp>
+        <p:nvSpPr>
+          <p:cNvPr id="25" name="Rectangle 24">
+            <a:extLst>
+              <a:ext uri="{FF2B5EF4-FFF2-40B4-BE49-F238E27FC236}">
+                <a16:creationId xmlns:a16="http://schemas.microsoft.com/office/drawing/2014/main" id="{C366ECFF-94B6-4819-9E69-F677065B758C}"/>
+              </a:ext>
+            </a:extLst>
+          </p:cNvPr>
+          <p:cNvSpPr/>
+          <p:nvPr/>
+        </p:nvSpPr>
+        <p:spPr>
+          <a:xfrm>
+            <a:off x="2382084" y="13597"/>
+            <a:ext cx="6096000" cy="923330"/>
+          </a:xfrm>
+          <a:prstGeom prst="rect">
+            <a:avLst/>
+          </a:prstGeom>
+          <a:solidFill>
+            <a:schemeClr val="bg1"/>
+          </a:solidFill>
+        </p:spPr>
+        <p:txBody>
+          <a:bodyPr>
+            <a:spAutoFit/>
+          </a:bodyPr>
+          <a:lstStyle/>
+          <a:p>
+            <a:r>
+              <a:rPr lang="en-US" dirty="0">
+                <a:latin typeface="Arial" panose="020B0604020202020204" pitchFamily="34" charset="0"/>
+                <a:cs typeface="Arial" panose="020B0604020202020204" pitchFamily="34" charset="0"/>
+              </a:rPr>
+              <a:t>4. Implement a CUDA device function within a newly created .</a:t>
+            </a:r>
+            <a:r>
+              <a:rPr lang="en-US" dirty="0" err="1">
+                <a:latin typeface="Arial" panose="020B0604020202020204" pitchFamily="34" charset="0"/>
+                <a:cs typeface="Arial" panose="020B0604020202020204" pitchFamily="34" charset="0"/>
+              </a:rPr>
+              <a:t>cuh</a:t>
+            </a:r>
+            <a:r>
+              <a:rPr lang="en-US" dirty="0">
+                <a:latin typeface="Arial" panose="020B0604020202020204" pitchFamily="34" charset="0"/>
+                <a:cs typeface="Arial" panose="020B0604020202020204" pitchFamily="34" charset="0"/>
+              </a:rPr>
+              <a:t> file in folder </a:t>
+            </a:r>
+            <a:r>
+              <a:rPr lang="en-US" dirty="0" err="1">
+                <a:latin typeface="Arial" panose="020B0604020202020204" pitchFamily="34" charset="0"/>
+                <a:cs typeface="Arial" panose="020B0604020202020204" pitchFamily="34" charset="0"/>
+              </a:rPr>
+              <a:t>Gpufit</a:t>
+            </a:r>
+            <a:r>
+              <a:rPr lang="en-US" dirty="0">
+                <a:latin typeface="Arial" panose="020B0604020202020204" pitchFamily="34" charset="0"/>
+                <a:cs typeface="Arial" panose="020B0604020202020204" pitchFamily="34" charset="0"/>
+              </a:rPr>
+              <a:t>/</a:t>
+            </a:r>
+            <a:r>
+              <a:rPr lang="en-US" dirty="0" err="1">
+                <a:latin typeface="Arial" panose="020B0604020202020204" pitchFamily="34" charset="0"/>
+                <a:cs typeface="Arial" panose="020B0604020202020204" pitchFamily="34" charset="0"/>
+              </a:rPr>
+              <a:t>Gpufit</a:t>
+            </a:r>
+            <a:r>
+              <a:rPr lang="en-US" dirty="0">
+                <a:latin typeface="Arial" panose="020B0604020202020204" pitchFamily="34" charset="0"/>
+                <a:cs typeface="Arial" panose="020B0604020202020204" pitchFamily="34" charset="0"/>
+              </a:rPr>
+              <a:t>/models according to the following template.</a:t>
+            </a:r>
+          </a:p>
+        </p:txBody>
+      </p:sp>
+      <p:sp>
+        <p:nvSpPr>
+          <p:cNvPr id="26" name="Rectangle 25">
+            <a:extLst>
+              <a:ext uri="{FF2B5EF4-FFF2-40B4-BE49-F238E27FC236}">
+                <a16:creationId xmlns:a16="http://schemas.microsoft.com/office/drawing/2014/main" id="{80A00377-4F55-425A-B8E4-09A98A43E9F0}"/>
+              </a:ext>
+            </a:extLst>
+          </p:cNvPr>
+          <p:cNvSpPr/>
+          <p:nvPr/>
+        </p:nvSpPr>
+        <p:spPr>
+          <a:xfrm>
+            <a:off x="3048000" y="3105835"/>
+            <a:ext cx="6096000" cy="646331"/>
+          </a:xfrm>
+          <a:prstGeom prst="rect">
+            <a:avLst/>
+          </a:prstGeom>
+          <a:solidFill>
+            <a:schemeClr val="bg1"/>
+          </a:solidFill>
+        </p:spPr>
+        <p:txBody>
+          <a:bodyPr>
+            <a:spAutoFit/>
+          </a:bodyPr>
+          <a:lstStyle/>
+          <a:p>
+            <a:r>
+              <a:rPr lang="en-US" b="0" i="0" dirty="0">
+                <a:solidFill>
+                  <a:srgbClr val="404040"/>
+                </a:solidFill>
+                <a:effectLst/>
+                <a:latin typeface="Arial" panose="020B0604020202020204" pitchFamily="34" charset="0"/>
+                <a:cs typeface="Arial" panose="020B0604020202020204" pitchFamily="34" charset="0"/>
+              </a:rPr>
+              <a:t>partial derivatives of the model, with respect to the model parameters</a:t>
+            </a:r>
+            <a:endParaRPr lang="en-US" dirty="0">
+              <a:latin typeface="Arial" panose="020B0604020202020204" pitchFamily="34" charset="0"/>
+              <a:cs typeface="Arial" panose="020B0604020202020204" pitchFamily="34" charset="0"/>
+            </a:endParaRPr>
+          </a:p>
+        </p:txBody>
+      </p:sp>
       <p:cxnSp>
         <p:nvCxnSpPr>
-          <p:cNvPr id="8" name="Straight Arrow Connector 7">
-            <a:extLst>
-              <a:ext uri="{FF2B5EF4-FFF2-40B4-BE49-F238E27FC236}">
-                <a16:creationId xmlns:a16="http://schemas.microsoft.com/office/drawing/2014/main" id="{176BB1E9-E2C7-4FFC-98CD-81EA81F4991F}"/>
+          <p:cNvPr id="27" name="Straight Arrow Connector 26">
+            <a:extLst>
+              <a:ext uri="{FF2B5EF4-FFF2-40B4-BE49-F238E27FC236}">
+                <a16:creationId xmlns:a16="http://schemas.microsoft.com/office/drawing/2014/main" id="{D6300F0F-8648-4E0D-B1A0-04D6C4C38747}"/>
               </a:ext>
             </a:extLst>
           </p:cNvPr>
           <p:cNvCxnSpPr>
             <a:cxnSpLocks/>
-            <a:stCxn id="6" idx="1"/>
+            <a:stCxn id="26" idx="2"/>
           </p:cNvCxnSpPr>
           <p:nvPr/>
         </p:nvCxnSpPr>
         <p:spPr>
           <a:xfrm flipH="1">
-            <a:off x="2203378" y="2683328"/>
-            <a:ext cx="564206" cy="0"/>
+            <a:off x="4885509" y="3752166"/>
+            <a:ext cx="1210491" cy="562931"/>
+          </a:xfrm>
+          <a:prstGeom prst="straightConnector1">
+            <a:avLst/>
+          </a:prstGeom>
+          <a:ln w="38100">
+            <a:solidFill>
+              <a:srgbClr val="FFFF00"/>
+            </a:solidFill>
+            <a:tailEnd type="triangle"/>
+          </a:ln>
+        </p:spPr>
+        <p:style>
+          <a:lnRef idx="1">
+            <a:schemeClr val="accent1"/>
+          </a:lnRef>
+          <a:fillRef idx="0">
+            <a:schemeClr val="accent1"/>
+          </a:fillRef>
+          <a:effectRef idx="0">
+            <a:schemeClr val="accent1"/>
+          </a:effectRef>
+          <a:fontRef idx="minor">
+            <a:schemeClr val="tx1"/>
+          </a:fontRef>
+        </p:style>
+      </p:cxnSp>
+      <p:cxnSp>
+        <p:nvCxnSpPr>
+          <p:cNvPr id="30" name="Straight Arrow Connector 29">
+            <a:extLst>
+              <a:ext uri="{FF2B5EF4-FFF2-40B4-BE49-F238E27FC236}">
+                <a16:creationId xmlns:a16="http://schemas.microsoft.com/office/drawing/2014/main" id="{BDA573C5-7FB4-43A2-98D9-4372D18F4B95}"/>
+              </a:ext>
+            </a:extLst>
+          </p:cNvPr>
+          <p:cNvCxnSpPr>
+            <a:cxnSpLocks/>
+            <a:stCxn id="25" idx="1"/>
+          </p:cNvCxnSpPr>
+          <p:nvPr/>
+        </p:nvCxnSpPr>
+        <p:spPr>
+          <a:xfrm flipH="1">
+            <a:off x="1013462" y="475262"/>
+            <a:ext cx="1368622" cy="304738"/>
+          </a:xfrm>
+          <a:prstGeom prst="straightConnector1">
+            <a:avLst/>
+          </a:prstGeom>
+          <a:ln w="38100">
+            <a:solidFill>
+              <a:srgbClr val="FFFF00"/>
+            </a:solidFill>
+            <a:tailEnd type="triangle"/>
+          </a:ln>
+        </p:spPr>
+        <p:style>
+          <a:lnRef idx="1">
+            <a:schemeClr val="accent1"/>
+          </a:lnRef>
+          <a:fillRef idx="0">
+            <a:schemeClr val="accent1"/>
+          </a:fillRef>
+          <a:effectRef idx="0">
+            <a:schemeClr val="accent1"/>
+          </a:effectRef>
+          <a:fontRef idx="minor">
+            <a:schemeClr val="tx1"/>
+          </a:fontRef>
+        </p:style>
+      </p:cxnSp>
+      <p:sp>
+        <p:nvSpPr>
+          <p:cNvPr id="2" name="TextBox 1">
+            <a:extLst>
+              <a:ext uri="{FF2B5EF4-FFF2-40B4-BE49-F238E27FC236}">
+                <a16:creationId xmlns:a16="http://schemas.microsoft.com/office/drawing/2014/main" id="{E495E304-97E1-4BFA-BB49-502E3E48E788}"/>
+              </a:ext>
+            </a:extLst>
+          </p:cNvPr>
+          <p:cNvSpPr txBox="1"/>
+          <p:nvPr/>
+        </p:nvSpPr>
+        <p:spPr>
+          <a:xfrm>
+            <a:off x="1163321" y="5459409"/>
+            <a:ext cx="6627740" cy="646331"/>
+          </a:xfrm>
+          <a:prstGeom prst="rect">
+            <a:avLst/>
+          </a:prstGeom>
+          <a:solidFill>
+            <a:schemeClr val="bg1"/>
+          </a:solidFill>
+        </p:spPr>
+        <p:txBody>
+          <a:bodyPr wrap="square" rtlCol="0">
+            <a:spAutoFit/>
+          </a:bodyPr>
+          <a:lstStyle/>
+          <a:p>
+            <a:r>
+              <a:rPr lang="en-US" dirty="0">
+                <a:latin typeface="Arial" panose="020B0604020202020204" pitchFamily="34" charset="0"/>
+                <a:cs typeface="Arial" panose="020B0604020202020204" pitchFamily="34" charset="0"/>
+              </a:rPr>
+              <a:t>See the examples model functions in thin link:</a:t>
+            </a:r>
+          </a:p>
+          <a:p>
+            <a:r>
+              <a:rPr lang="en-US" dirty="0">
+                <a:latin typeface="Arial" panose="020B0604020202020204" pitchFamily="34" charset="0"/>
+                <a:cs typeface="Arial" panose="020B0604020202020204" pitchFamily="34" charset="0"/>
+              </a:rPr>
+              <a:t>“/</a:t>
+            </a:r>
+            <a:r>
+              <a:rPr lang="en-US" dirty="0" err="1">
+                <a:latin typeface="Arial" panose="020B0604020202020204" pitchFamily="34" charset="0"/>
+                <a:cs typeface="Arial" panose="020B0604020202020204" pitchFamily="34" charset="0"/>
+              </a:rPr>
+              <a:t>Gpufit</a:t>
+            </a:r>
+            <a:r>
+              <a:rPr lang="en-US" dirty="0">
+                <a:latin typeface="Arial" panose="020B0604020202020204" pitchFamily="34" charset="0"/>
+                <a:cs typeface="Arial" panose="020B0604020202020204" pitchFamily="34" charset="0"/>
+              </a:rPr>
+              <a:t>/models"</a:t>
+            </a:r>
+          </a:p>
+        </p:txBody>
+      </p:sp>
+      <p:cxnSp>
+        <p:nvCxnSpPr>
+          <p:cNvPr id="13" name="Straight Arrow Connector 12">
+            <a:extLst>
+              <a:ext uri="{FF2B5EF4-FFF2-40B4-BE49-F238E27FC236}">
+                <a16:creationId xmlns:a16="http://schemas.microsoft.com/office/drawing/2014/main" id="{837BD64D-56F8-4329-A341-B15DE7A21E4F}"/>
+              </a:ext>
+            </a:extLst>
+          </p:cNvPr>
+          <p:cNvCxnSpPr>
+            <a:cxnSpLocks/>
+          </p:cNvCxnSpPr>
+          <p:nvPr/>
+        </p:nvCxnSpPr>
+        <p:spPr>
+          <a:xfrm>
+            <a:off x="2527300" y="5133487"/>
+            <a:ext cx="237310" cy="292603"/>
           </a:xfrm>
           <a:prstGeom prst="straightConnector1">
             <a:avLst/>
@@ -3871,7 +4430,7 @@
     </p:spTree>
     <p:extLst>
       <p:ext uri="{BB962C8B-B14F-4D97-AF65-F5344CB8AC3E}">
-        <p14:creationId xmlns:p14="http://schemas.microsoft.com/office/powerpoint/2010/main" val="2389948196"/>
+        <p14:creationId xmlns:p14="http://schemas.microsoft.com/office/powerpoint/2010/main" val="2752708968"/>
       </p:ext>
     </p:extLst>
   </p:cSld>
@@ -3900,10 +4459,10 @@
       </p:grpSpPr>
       <p:pic>
         <p:nvPicPr>
-          <p:cNvPr id="8" name="Picture 7">
-            <a:extLst>
-              <a:ext uri="{FF2B5EF4-FFF2-40B4-BE49-F238E27FC236}">
-                <a16:creationId xmlns:a16="http://schemas.microsoft.com/office/drawing/2014/main" id="{916F9349-6E2B-4FE5-982D-420399FD4220}"/>
+          <p:cNvPr id="7" name="Picture 6">
+            <a:extLst>
+              <a:ext uri="{FF2B5EF4-FFF2-40B4-BE49-F238E27FC236}">
+                <a16:creationId xmlns:a16="http://schemas.microsoft.com/office/drawing/2014/main" id="{BFE12247-F26A-4CEB-8704-3FA935C01F65}"/>
               </a:ext>
             </a:extLst>
           </p:cNvPr>
@@ -3920,7 +4479,7 @@
         </p:blipFill>
         <p:spPr>
           <a:xfrm>
-            <a:off x="0" y="300810"/>
+            <a:off x="0" y="163218"/>
             <a:ext cx="12192000" cy="6256379"/>
           </a:xfrm>
           <a:prstGeom prst="rect">
@@ -3930,10 +4489,10 @@
       </p:pic>
       <p:sp>
         <p:nvSpPr>
-          <p:cNvPr id="9" name="Rectangle 8">
-            <a:extLst>
-              <a:ext uri="{FF2B5EF4-FFF2-40B4-BE49-F238E27FC236}">
-                <a16:creationId xmlns:a16="http://schemas.microsoft.com/office/drawing/2014/main" id="{5C8D292C-FD96-48BF-80F3-D1A92ABDC125}"/>
+          <p:cNvPr id="5" name="Rectangle 4">
+            <a:extLst>
+              <a:ext uri="{FF2B5EF4-FFF2-40B4-BE49-F238E27FC236}">
+                <a16:creationId xmlns:a16="http://schemas.microsoft.com/office/drawing/2014/main" id="{3BA3CF61-D40E-4130-A6D9-B059EB665D7D}"/>
               </a:ext>
             </a:extLst>
           </p:cNvPr>
@@ -3942,8 +4501,8 @@
         </p:nvSpPr>
         <p:spPr>
           <a:xfrm>
-            <a:off x="385501" y="1219125"/>
-            <a:ext cx="1874084" cy="138251"/>
+            <a:off x="969337" y="543632"/>
+            <a:ext cx="696177" cy="178454"/>
           </a:xfrm>
           <a:prstGeom prst="rect">
             <a:avLst/>
@@ -3982,10 +4541,10 @@
       </p:sp>
       <p:sp>
         <p:nvSpPr>
-          <p:cNvPr id="10" name="Rectangle 9">
-            <a:extLst>
-              <a:ext uri="{FF2B5EF4-FFF2-40B4-BE49-F238E27FC236}">
-                <a16:creationId xmlns:a16="http://schemas.microsoft.com/office/drawing/2014/main" id="{E9811393-CDF8-4EB7-B7FB-FE1C536F1AA3}"/>
+          <p:cNvPr id="9" name="Rectangle 8">
+            <a:extLst>
+              <a:ext uri="{FF2B5EF4-FFF2-40B4-BE49-F238E27FC236}">
+                <a16:creationId xmlns:a16="http://schemas.microsoft.com/office/drawing/2014/main" id="{C3AD946F-E98D-4EA3-8BB2-C4C1543D502E}"/>
               </a:ext>
             </a:extLst>
           </p:cNvPr>
@@ -3994,8 +4553,8 @@
         </p:nvSpPr>
         <p:spPr>
           <a:xfrm>
-            <a:off x="590805" y="4056234"/>
-            <a:ext cx="8094616" cy="1223555"/>
+            <a:off x="420914" y="2402114"/>
+            <a:ext cx="1284515" cy="127000"/>
           </a:xfrm>
           <a:prstGeom prst="rect">
             <a:avLst/>
@@ -4034,10 +4593,10 @@
       </p:sp>
       <p:sp>
         <p:nvSpPr>
-          <p:cNvPr id="11" name="Rectangle 10">
-            <a:extLst>
-              <a:ext uri="{FF2B5EF4-FFF2-40B4-BE49-F238E27FC236}">
-                <a16:creationId xmlns:a16="http://schemas.microsoft.com/office/drawing/2014/main" id="{532A47E3-DB7E-4D2A-9B13-911580B64424}"/>
+          <p:cNvPr id="10" name="Rectangle 9">
+            <a:extLst>
+              <a:ext uri="{FF2B5EF4-FFF2-40B4-BE49-F238E27FC236}">
+                <a16:creationId xmlns:a16="http://schemas.microsoft.com/office/drawing/2014/main" id="{F5365AE9-93C6-4FFE-A4F3-A4567C443186}"/>
               </a:ext>
             </a:extLst>
           </p:cNvPr>
@@ -4046,8 +4605,133 @@
         </p:nvSpPr>
         <p:spPr>
           <a:xfrm>
-            <a:off x="130048" y="674623"/>
-            <a:ext cx="883413" cy="170689"/>
+            <a:off x="2270179" y="205042"/>
+            <a:ext cx="5404043" cy="369332"/>
+          </a:xfrm>
+          <a:prstGeom prst="rect">
+            <a:avLst/>
+          </a:prstGeom>
+          <a:solidFill>
+            <a:schemeClr val="bg1"/>
+          </a:solidFill>
+        </p:spPr>
+        <p:txBody>
+          <a:bodyPr wrap="none">
+            <a:spAutoFit/>
+          </a:bodyPr>
+          <a:lstStyle/>
+          <a:p>
+            <a:r>
+              <a:rPr lang="en-US" dirty="0">
+                <a:solidFill>
+                  <a:srgbClr val="404040"/>
+                </a:solidFill>
+                <a:latin typeface="Arial" panose="020B0604020202020204" pitchFamily="34" charset="0"/>
+                <a:cs typeface="Arial" panose="020B0604020202020204" pitchFamily="34" charset="0"/>
+              </a:rPr>
+              <a:t>5. Include the newly created .</a:t>
+            </a:r>
+            <a:r>
+              <a:rPr lang="en-US" dirty="0" err="1">
+                <a:solidFill>
+                  <a:srgbClr val="404040"/>
+                </a:solidFill>
+                <a:latin typeface="Arial" panose="020B0604020202020204" pitchFamily="34" charset="0"/>
+                <a:cs typeface="Arial" panose="020B0604020202020204" pitchFamily="34" charset="0"/>
+              </a:rPr>
+              <a:t>cuh</a:t>
+            </a:r>
+            <a:r>
+              <a:rPr lang="en-US" dirty="0">
+                <a:solidFill>
+                  <a:srgbClr val="404040"/>
+                </a:solidFill>
+                <a:latin typeface="Arial" panose="020B0604020202020204" pitchFamily="34" charset="0"/>
+                <a:cs typeface="Arial" panose="020B0604020202020204" pitchFamily="34" charset="0"/>
+              </a:rPr>
+              <a:t> file in </a:t>
+            </a:r>
+            <a:r>
+              <a:rPr lang="en-US" dirty="0" err="1">
+                <a:solidFill>
+                  <a:srgbClr val="404040"/>
+                </a:solidFill>
+                <a:latin typeface="Arial" panose="020B0604020202020204" pitchFamily="34" charset="0"/>
+                <a:cs typeface="Arial" panose="020B0604020202020204" pitchFamily="34" charset="0"/>
+              </a:rPr>
+              <a:t>models.cuh</a:t>
+            </a:r>
+            <a:endParaRPr lang="en-US" b="0" i="0" dirty="0">
+              <a:solidFill>
+                <a:srgbClr val="404040"/>
+              </a:solidFill>
+              <a:effectLst/>
+              <a:latin typeface="Arial" panose="020B0604020202020204" pitchFamily="34" charset="0"/>
+              <a:cs typeface="Arial" panose="020B0604020202020204" pitchFamily="34" charset="0"/>
+            </a:endParaRPr>
+          </a:p>
+        </p:txBody>
+      </p:sp>
+      <p:cxnSp>
+        <p:nvCxnSpPr>
+          <p:cNvPr id="11" name="Straight Arrow Connector 10">
+            <a:extLst>
+              <a:ext uri="{FF2B5EF4-FFF2-40B4-BE49-F238E27FC236}">
+                <a16:creationId xmlns:a16="http://schemas.microsoft.com/office/drawing/2014/main" id="{9A567FB6-7B99-42ED-852C-DDC32851C02E}"/>
+              </a:ext>
+            </a:extLst>
+          </p:cNvPr>
+          <p:cNvCxnSpPr>
+            <a:cxnSpLocks/>
+          </p:cNvCxnSpPr>
+          <p:nvPr/>
+        </p:nvCxnSpPr>
+        <p:spPr>
+          <a:xfrm flipH="1">
+            <a:off x="1665514" y="384962"/>
+            <a:ext cx="604665" cy="247897"/>
+          </a:xfrm>
+          <a:prstGeom prst="straightConnector1">
+            <a:avLst/>
+          </a:prstGeom>
+          <a:ln w="38100">
+            <a:solidFill>
+              <a:srgbClr val="FFFF00"/>
+            </a:solidFill>
+            <a:tailEnd type="triangle"/>
+          </a:ln>
+        </p:spPr>
+        <p:style>
+          <a:lnRef idx="1">
+            <a:schemeClr val="accent1"/>
+          </a:lnRef>
+          <a:fillRef idx="0">
+            <a:schemeClr val="accent1"/>
+          </a:fillRef>
+          <a:effectRef idx="0">
+            <a:schemeClr val="accent1"/>
+          </a:effectRef>
+          <a:fontRef idx="minor">
+            <a:schemeClr val="tx1"/>
+          </a:fontRef>
+        </p:style>
+      </p:cxnSp>
+      <p:sp>
+        <p:nvSpPr>
+          <p:cNvPr id="13" name="Rectangle 12">
+            <a:extLst>
+              <a:ext uri="{FF2B5EF4-FFF2-40B4-BE49-F238E27FC236}">
+                <a16:creationId xmlns:a16="http://schemas.microsoft.com/office/drawing/2014/main" id="{7D64B0DE-38EC-4A2A-84D2-DC7175413009}"/>
+              </a:ext>
+            </a:extLst>
+          </p:cNvPr>
+          <p:cNvSpPr/>
+          <p:nvPr/>
+        </p:nvSpPr>
+        <p:spPr>
+          <a:xfrm>
+            <a:off x="969337" y="2685142"/>
+            <a:ext cx="1284515" cy="127000"/>
           </a:xfrm>
           <a:prstGeom prst="rect">
             <a:avLst/>
@@ -4086,10 +4770,10 @@
       </p:sp>
       <p:sp>
         <p:nvSpPr>
-          <p:cNvPr id="12" name="Rectangle 11">
-            <a:extLst>
-              <a:ext uri="{FF2B5EF4-FFF2-40B4-BE49-F238E27FC236}">
-                <a16:creationId xmlns:a16="http://schemas.microsoft.com/office/drawing/2014/main" id="{39460C3C-9513-4A19-B1CC-CD9B90E69ED0}"/>
+          <p:cNvPr id="14" name="Rectangle 13">
+            <a:extLst>
+              <a:ext uri="{FF2B5EF4-FFF2-40B4-BE49-F238E27FC236}">
+                <a16:creationId xmlns:a16="http://schemas.microsoft.com/office/drawing/2014/main" id="{43C616D1-CDFE-493A-93F0-EC706F6669E4}"/>
               </a:ext>
             </a:extLst>
           </p:cNvPr>
@@ -4098,59 +4782,7 @@
         </p:nvSpPr>
         <p:spPr>
           <a:xfrm>
-            <a:off x="385500" y="932034"/>
-            <a:ext cx="1874084" cy="246526"/>
-          </a:xfrm>
-          <a:prstGeom prst="rect">
-            <a:avLst/>
-          </a:prstGeom>
-          <a:noFill/>
-          <a:ln w="12700">
-            <a:solidFill>
-              <a:srgbClr val="FF0000"/>
-            </a:solidFill>
-          </a:ln>
-        </p:spPr>
-        <p:style>
-          <a:lnRef idx="2">
-            <a:schemeClr val="accent1">
-              <a:shade val="50000"/>
-            </a:schemeClr>
-          </a:lnRef>
-          <a:fillRef idx="1">
-            <a:schemeClr val="accent1"/>
-          </a:fillRef>
-          <a:effectRef idx="0">
-            <a:schemeClr val="accent1"/>
-          </a:effectRef>
-          <a:fontRef idx="minor">
-            <a:schemeClr val="lt1"/>
-          </a:fontRef>
-        </p:style>
-        <p:txBody>
-          <a:bodyPr rtlCol="0" anchor="ctr"/>
-          <a:lstStyle/>
-          <a:p>
-            <a:pPr algn="ctr"/>
-            <a:endParaRPr lang="en-US"/>
-          </a:p>
-        </p:txBody>
-      </p:sp>
-      <p:sp>
-        <p:nvSpPr>
-          <p:cNvPr id="25" name="Rectangle 24">
-            <a:extLst>
-              <a:ext uri="{FF2B5EF4-FFF2-40B4-BE49-F238E27FC236}">
-                <a16:creationId xmlns:a16="http://schemas.microsoft.com/office/drawing/2014/main" id="{C366ECFF-94B6-4819-9E69-F677065B758C}"/>
-              </a:ext>
-            </a:extLst>
-          </p:cNvPr>
-          <p:cNvSpPr/>
-          <p:nvPr/>
-        </p:nvSpPr>
-        <p:spPr>
-          <a:xfrm>
-            <a:off x="2382084" y="13597"/>
+            <a:off x="2987040" y="1701363"/>
             <a:ext cx="6096000" cy="923330"/>
           </a:xfrm>
           <a:prstGeom prst="rect">
@@ -4171,120 +4803,57 @@
                 <a:latin typeface="Arial" panose="020B0604020202020204" pitchFamily="34" charset="0"/>
                 <a:cs typeface="Arial" panose="020B0604020202020204" pitchFamily="34" charset="0"/>
               </a:rPr>
-              <a:t>4. Implement a CUDA device function within a newly created .</a:t>
+              <a:t>Add a switch case in the CUDA device function </a:t>
             </a:r>
             <a:r>
               <a:rPr lang="en-US" dirty="0" err="1">
                 <a:latin typeface="Arial" panose="020B0604020202020204" pitchFamily="34" charset="0"/>
                 <a:cs typeface="Arial" panose="020B0604020202020204" pitchFamily="34" charset="0"/>
               </a:rPr>
-              <a:t>cuh</a:t>
+              <a:t>calculate_model</a:t>
             </a:r>
             <a:r>
               <a:rPr lang="en-US" dirty="0">
                 <a:latin typeface="Arial" panose="020B0604020202020204" pitchFamily="34" charset="0"/>
                 <a:cs typeface="Arial" panose="020B0604020202020204" pitchFamily="34" charset="0"/>
               </a:rPr>
-              <a:t> file in folder </a:t>
+              <a:t>() in file </a:t>
             </a:r>
             <a:r>
               <a:rPr lang="en-US" dirty="0" err="1">
                 <a:latin typeface="Arial" panose="020B0604020202020204" pitchFamily="34" charset="0"/>
                 <a:cs typeface="Arial" panose="020B0604020202020204" pitchFamily="34" charset="0"/>
               </a:rPr>
-              <a:t>Gpufit</a:t>
+              <a:t>models.cuh</a:t>
             </a:r>
             <a:r>
               <a:rPr lang="en-US" dirty="0">
                 <a:latin typeface="Arial" panose="020B0604020202020204" pitchFamily="34" charset="0"/>
                 <a:cs typeface="Arial" panose="020B0604020202020204" pitchFamily="34" charset="0"/>
               </a:rPr>
-              <a:t>/</a:t>
-            </a:r>
-            <a:r>
-              <a:rPr lang="en-US" dirty="0" err="1">
-                <a:latin typeface="Arial" panose="020B0604020202020204" pitchFamily="34" charset="0"/>
-                <a:cs typeface="Arial" panose="020B0604020202020204" pitchFamily="34" charset="0"/>
-              </a:rPr>
-              <a:t>Gpufit</a:t>
-            </a:r>
-            <a:r>
-              <a:rPr lang="en-US" dirty="0">
-                <a:latin typeface="Arial" panose="020B0604020202020204" pitchFamily="34" charset="0"/>
-                <a:cs typeface="Arial" panose="020B0604020202020204" pitchFamily="34" charset="0"/>
-              </a:rPr>
-              <a:t>/models according to the following template.</a:t>
-            </a:r>
-          </a:p>
-        </p:txBody>
-      </p:sp>
-      <p:sp>
-        <p:nvSpPr>
-          <p:cNvPr id="26" name="Rectangle 25">
-            <a:extLst>
-              <a:ext uri="{FF2B5EF4-FFF2-40B4-BE49-F238E27FC236}">
-                <a16:creationId xmlns:a16="http://schemas.microsoft.com/office/drawing/2014/main" id="{80A00377-4F55-425A-B8E4-09A98A43E9F0}"/>
-              </a:ext>
-            </a:extLst>
-          </p:cNvPr>
-          <p:cNvSpPr/>
-          <p:nvPr/>
-        </p:nvSpPr>
-        <p:spPr>
-          <a:xfrm>
-            <a:off x="3048000" y="3105835"/>
-            <a:ext cx="6096000" cy="646331"/>
-          </a:xfrm>
-          <a:prstGeom prst="rect">
-            <a:avLst/>
-          </a:prstGeom>
-          <a:solidFill>
-            <a:schemeClr val="bg1"/>
-          </a:solidFill>
-        </p:spPr>
-        <p:txBody>
-          <a:bodyPr>
-            <a:spAutoFit/>
-          </a:bodyPr>
-          <a:lstStyle/>
-          <a:p>
-            <a:r>
-              <a:rPr lang="en-US" b="0" i="0" dirty="0">
-                <a:solidFill>
-                  <a:srgbClr val="404040"/>
-                </a:solidFill>
-                <a:effectLst/>
-                <a:latin typeface="Arial" panose="020B0604020202020204" pitchFamily="34" charset="0"/>
-                <a:cs typeface="Arial" panose="020B0604020202020204" pitchFamily="34" charset="0"/>
-              </a:rPr>
-              <a:t>partial derivatives of the model, with respect to the model parameters</a:t>
-            </a:r>
-            <a:endParaRPr lang="en-US" dirty="0">
-              <a:latin typeface="Arial" panose="020B0604020202020204" pitchFamily="34" charset="0"/>
-              <a:cs typeface="Arial" panose="020B0604020202020204" pitchFamily="34" charset="0"/>
-            </a:endParaRPr>
+              <a:t> to allow calling the newly added model function.</a:t>
+            </a:r>
           </a:p>
         </p:txBody>
       </p:sp>
       <p:cxnSp>
         <p:nvCxnSpPr>
-          <p:cNvPr id="27" name="Straight Arrow Connector 26">
-            <a:extLst>
-              <a:ext uri="{FF2B5EF4-FFF2-40B4-BE49-F238E27FC236}">
-                <a16:creationId xmlns:a16="http://schemas.microsoft.com/office/drawing/2014/main" id="{D6300F0F-8648-4E0D-B1A0-04D6C4C38747}"/>
+          <p:cNvPr id="15" name="Straight Arrow Connector 14">
+            <a:extLst>
+              <a:ext uri="{FF2B5EF4-FFF2-40B4-BE49-F238E27FC236}">
+                <a16:creationId xmlns:a16="http://schemas.microsoft.com/office/drawing/2014/main" id="{186BD85A-40CB-4830-8B82-ED4BA70AA553}"/>
               </a:ext>
             </a:extLst>
           </p:cNvPr>
           <p:cNvCxnSpPr>
             <a:cxnSpLocks/>
-            <a:stCxn id="26" idx="2"/>
           </p:cNvCxnSpPr>
           <p:nvPr/>
         </p:nvCxnSpPr>
         <p:spPr>
           <a:xfrm flipH="1">
-            <a:off x="4885509" y="3752166"/>
-            <a:ext cx="1210491" cy="562931"/>
+            <a:off x="2295289" y="2500745"/>
+            <a:ext cx="604665" cy="247897"/>
           </a:xfrm>
           <a:prstGeom prst="straightConnector1">
             <a:avLst/>
@@ -4311,67 +4880,22 @@
           </a:fontRef>
         </p:style>
       </p:cxnSp>
-      <p:cxnSp>
-        <p:nvCxnSpPr>
-          <p:cNvPr id="30" name="Straight Arrow Connector 29">
-            <a:extLst>
-              <a:ext uri="{FF2B5EF4-FFF2-40B4-BE49-F238E27FC236}">
-                <a16:creationId xmlns:a16="http://schemas.microsoft.com/office/drawing/2014/main" id="{BDA573C5-7FB4-43A2-98D9-4372D18F4B95}"/>
-              </a:ext>
-            </a:extLst>
-          </p:cNvPr>
-          <p:cNvCxnSpPr>
-            <a:cxnSpLocks/>
-            <a:stCxn id="25" idx="1"/>
-          </p:cNvCxnSpPr>
+      <p:sp>
+        <p:nvSpPr>
+          <p:cNvPr id="16" name="Rectangle 15">
+            <a:extLst>
+              <a:ext uri="{FF2B5EF4-FFF2-40B4-BE49-F238E27FC236}">
+                <a16:creationId xmlns:a16="http://schemas.microsoft.com/office/drawing/2014/main" id="{A1543F1C-C9AD-4C70-BBBA-5E924C47B3EB}"/>
+              </a:ext>
+            </a:extLst>
+          </p:cNvPr>
+          <p:cNvSpPr/>
           <p:nvPr/>
-        </p:nvCxnSpPr>
-        <p:spPr>
-          <a:xfrm flipH="1">
-            <a:off x="1013462" y="475262"/>
-            <a:ext cx="1368622" cy="304738"/>
-          </a:xfrm>
-          <a:prstGeom prst="straightConnector1">
-            <a:avLst/>
-          </a:prstGeom>
-          <a:ln w="38100">
-            <a:solidFill>
-              <a:srgbClr val="FFFF00"/>
-            </a:solidFill>
-            <a:tailEnd type="triangle"/>
-          </a:ln>
-        </p:spPr>
-        <p:style>
-          <a:lnRef idx="1">
-            <a:schemeClr val="accent1"/>
-          </a:lnRef>
-          <a:fillRef idx="0">
-            <a:schemeClr val="accent1"/>
-          </a:fillRef>
-          <a:effectRef idx="0">
-            <a:schemeClr val="accent1"/>
-          </a:effectRef>
-          <a:fontRef idx="minor">
-            <a:schemeClr val="tx1"/>
-          </a:fontRef>
-        </p:style>
-      </p:cxnSp>
-      <p:sp>
-        <p:nvSpPr>
-          <p:cNvPr id="2" name="TextBox 1">
-            <a:extLst>
-              <a:ext uri="{FF2B5EF4-FFF2-40B4-BE49-F238E27FC236}">
-                <a16:creationId xmlns:a16="http://schemas.microsoft.com/office/drawing/2014/main" id="{E495E304-97E1-4BFA-BB49-502E3E48E788}"/>
-              </a:ext>
-            </a:extLst>
-          </p:cNvPr>
-          <p:cNvSpPr txBox="1"/>
-          <p:nvPr/>
         </p:nvSpPr>
         <p:spPr>
           <a:xfrm>
-            <a:off x="1163321" y="5459409"/>
-            <a:ext cx="6627740" cy="646331"/>
+            <a:off x="4288971" y="2942987"/>
+            <a:ext cx="3304903" cy="369332"/>
           </a:xfrm>
           <a:prstGeom prst="rect">
             <a:avLst/>
@@ -4381,7 +4905,7 @@
           </a:solidFill>
         </p:spPr>
         <p:txBody>
-          <a:bodyPr wrap="square" rtlCol="0">
+          <a:bodyPr wrap="square">
             <a:spAutoFit/>
           </a:bodyPr>
           <a:lstStyle/>
@@ -4391,96 +4915,15 @@
                 <a:latin typeface="Arial" panose="020B0604020202020204" pitchFamily="34" charset="0"/>
                 <a:cs typeface="Arial" panose="020B0604020202020204" pitchFamily="34" charset="0"/>
               </a:rPr>
-              <a:t>See the examples model functions in thin link:</a:t>
-            </a:r>
-          </a:p>
-          <a:p>
-            <a:r>
-              <a:rPr lang="en-US" dirty="0">
-                <a:latin typeface="Arial" panose="020B0604020202020204" pitchFamily="34" charset="0"/>
-                <a:cs typeface="Arial" panose="020B0604020202020204" pitchFamily="34" charset="0"/>
-              </a:rPr>
-              <a:t>“/COG-DOCT/Program/</a:t>
-            </a:r>
-            <a:r>
-              <a:rPr lang="en-US" dirty="0" err="1">
-                <a:latin typeface="Arial" panose="020B0604020202020204" pitchFamily="34" charset="0"/>
-                <a:cs typeface="Arial" panose="020B0604020202020204" pitchFamily="34" charset="0"/>
-              </a:rPr>
-              <a:t>GPUFit</a:t>
-            </a:r>
-            <a:r>
-              <a:rPr lang="en-US" dirty="0">
-                <a:latin typeface="Arial" panose="020B0604020202020204" pitchFamily="34" charset="0"/>
-                <a:cs typeface="Arial" panose="020B0604020202020204" pitchFamily="34" charset="0"/>
-              </a:rPr>
-              <a:t>/Gpufit-1.2.0/</a:t>
-            </a:r>
-            <a:r>
-              <a:rPr lang="en-US" dirty="0" err="1">
-                <a:latin typeface="Arial" panose="020B0604020202020204" pitchFamily="34" charset="0"/>
-                <a:cs typeface="Arial" panose="020B0604020202020204" pitchFamily="34" charset="0"/>
-              </a:rPr>
-              <a:t>Gpufit</a:t>
-            </a:r>
-            <a:r>
-              <a:rPr lang="en-US" dirty="0">
-                <a:latin typeface="Arial" panose="020B0604020202020204" pitchFamily="34" charset="0"/>
-                <a:cs typeface="Arial" panose="020B0604020202020204" pitchFamily="34" charset="0"/>
-              </a:rPr>
-              <a:t>/models"</a:t>
-            </a:r>
-          </a:p>
-        </p:txBody>
-      </p:sp>
-      <p:cxnSp>
-        <p:nvCxnSpPr>
-          <p:cNvPr id="13" name="Straight Arrow Connector 12">
-            <a:extLst>
-              <a:ext uri="{FF2B5EF4-FFF2-40B4-BE49-F238E27FC236}">
-                <a16:creationId xmlns:a16="http://schemas.microsoft.com/office/drawing/2014/main" id="{837BD64D-56F8-4329-A341-B15DE7A21E4F}"/>
-              </a:ext>
-            </a:extLst>
-          </p:cNvPr>
-          <p:cNvCxnSpPr>
-            <a:cxnSpLocks/>
-          </p:cNvCxnSpPr>
-          <p:nvPr/>
-        </p:nvCxnSpPr>
-        <p:spPr>
-          <a:xfrm>
-            <a:off x="2527300" y="5133487"/>
-            <a:ext cx="237310" cy="292603"/>
-          </a:xfrm>
-          <a:prstGeom prst="straightConnector1">
-            <a:avLst/>
-          </a:prstGeom>
-          <a:ln w="38100">
-            <a:solidFill>
-              <a:srgbClr val="FFFF00"/>
-            </a:solidFill>
-            <a:tailEnd type="triangle"/>
-          </a:ln>
-        </p:spPr>
-        <p:style>
-          <a:lnRef idx="1">
-            <a:schemeClr val="accent1"/>
-          </a:lnRef>
-          <a:fillRef idx="0">
-            <a:schemeClr val="accent1"/>
-          </a:fillRef>
-          <a:effectRef idx="0">
-            <a:schemeClr val="accent1"/>
-          </a:effectRef>
-          <a:fontRef idx="minor">
-            <a:schemeClr val="tx1"/>
-          </a:fontRef>
-        </p:style>
-      </p:cxnSp>
+              <a:t>See the next page (Continued)</a:t>
+            </a:r>
+          </a:p>
+        </p:txBody>
+      </p:sp>
     </p:spTree>
     <p:extLst>
       <p:ext uri="{BB962C8B-B14F-4D97-AF65-F5344CB8AC3E}">
-        <p14:creationId xmlns:p14="http://schemas.microsoft.com/office/powerpoint/2010/main" val="2752708968"/>
+        <p14:creationId xmlns:p14="http://schemas.microsoft.com/office/powerpoint/2010/main" val="223720225"/>
       </p:ext>
     </p:extLst>
   </p:cSld>
@@ -4509,10 +4952,10 @@
       </p:grpSpPr>
       <p:pic>
         <p:nvPicPr>
-          <p:cNvPr id="7" name="Picture 6">
-            <a:extLst>
-              <a:ext uri="{FF2B5EF4-FFF2-40B4-BE49-F238E27FC236}">
-                <a16:creationId xmlns:a16="http://schemas.microsoft.com/office/drawing/2014/main" id="{BFE12247-F26A-4CEB-8704-3FA935C01F65}"/>
+          <p:cNvPr id="4" name="Picture 3">
+            <a:extLst>
+              <a:ext uri="{FF2B5EF4-FFF2-40B4-BE49-F238E27FC236}">
+                <a16:creationId xmlns:a16="http://schemas.microsoft.com/office/drawing/2014/main" id="{0DC2C8CF-CB09-42A5-B153-F732F81B7F7D}"/>
               </a:ext>
             </a:extLst>
           </p:cNvPr>
@@ -4529,8 +4972,8 @@
         </p:blipFill>
         <p:spPr>
           <a:xfrm>
-            <a:off x="0" y="163218"/>
-            <a:ext cx="12192000" cy="6256379"/>
+            <a:off x="0" y="200772"/>
+            <a:ext cx="12192000" cy="6456456"/>
           </a:xfrm>
           <a:prstGeom prst="rect">
             <a:avLst/>
@@ -4542,7 +4985,7 @@
           <p:cNvPr id="5" name="Rectangle 4">
             <a:extLst>
               <a:ext uri="{FF2B5EF4-FFF2-40B4-BE49-F238E27FC236}">
-                <a16:creationId xmlns:a16="http://schemas.microsoft.com/office/drawing/2014/main" id="{3BA3CF61-D40E-4130-A6D9-B059EB665D7D}"/>
+                <a16:creationId xmlns:a16="http://schemas.microsoft.com/office/drawing/2014/main" id="{388D0915-2098-4B25-8EDF-ECED9D453CFE}"/>
               </a:ext>
             </a:extLst>
           </p:cNvPr>
@@ -4551,8 +4994,8 @@
         </p:nvSpPr>
         <p:spPr>
           <a:xfrm>
-            <a:off x="969337" y="543632"/>
-            <a:ext cx="696177" cy="178454"/>
+            <a:off x="434051" y="2560320"/>
+            <a:ext cx="6241069" cy="281069"/>
           </a:xfrm>
           <a:prstGeom prst="rect">
             <a:avLst/>
@@ -4591,10 +5034,10 @@
       </p:sp>
       <p:sp>
         <p:nvSpPr>
-          <p:cNvPr id="9" name="Rectangle 8">
-            <a:extLst>
-              <a:ext uri="{FF2B5EF4-FFF2-40B4-BE49-F238E27FC236}">
-                <a16:creationId xmlns:a16="http://schemas.microsoft.com/office/drawing/2014/main" id="{C3AD946F-E98D-4EA3-8BB2-C4C1543D502E}"/>
+          <p:cNvPr id="6" name="Rectangle 5">
+            <a:extLst>
+              <a:ext uri="{FF2B5EF4-FFF2-40B4-BE49-F238E27FC236}">
+                <a16:creationId xmlns:a16="http://schemas.microsoft.com/office/drawing/2014/main" id="{0F148880-23F3-4A6F-9074-E54507BB711E}"/>
               </a:ext>
             </a:extLst>
           </p:cNvPr>
@@ -4603,8 +5046,8 @@
         </p:nvSpPr>
         <p:spPr>
           <a:xfrm>
-            <a:off x="420914" y="2402114"/>
-            <a:ext cx="1284515" cy="127000"/>
+            <a:off x="522514" y="5200938"/>
+            <a:ext cx="2873830" cy="102582"/>
           </a:xfrm>
           <a:prstGeom prst="rect">
             <a:avLst/>
@@ -4643,10 +5086,10 @@
       </p:sp>
       <p:sp>
         <p:nvSpPr>
-          <p:cNvPr id="10" name="Rectangle 9">
-            <a:extLst>
-              <a:ext uri="{FF2B5EF4-FFF2-40B4-BE49-F238E27FC236}">
-                <a16:creationId xmlns:a16="http://schemas.microsoft.com/office/drawing/2014/main" id="{F5365AE9-93C6-4FFE-A4F3-A4567C443186}"/>
+          <p:cNvPr id="9" name="Rectangle 8">
+            <a:extLst>
+              <a:ext uri="{FF2B5EF4-FFF2-40B4-BE49-F238E27FC236}">
+                <a16:creationId xmlns:a16="http://schemas.microsoft.com/office/drawing/2014/main" id="{FC54575B-C30C-4F63-9470-A55908E5DD1A}"/>
               </a:ext>
             </a:extLst>
           </p:cNvPr>
@@ -4655,8 +5098,8 @@
         </p:nvSpPr>
         <p:spPr>
           <a:xfrm>
-            <a:off x="2270179" y="205042"/>
-            <a:ext cx="5404043" cy="369332"/>
+            <a:off x="4541520" y="3005687"/>
+            <a:ext cx="4611189" cy="646331"/>
           </a:xfrm>
           <a:prstGeom prst="rect">
             <a:avLst/>
@@ -4666,68 +5109,55 @@
           </a:solidFill>
         </p:spPr>
         <p:txBody>
-          <a:bodyPr wrap="none">
+          <a:bodyPr wrap="square">
             <a:spAutoFit/>
           </a:bodyPr>
           <a:lstStyle/>
           <a:p>
             <a:r>
               <a:rPr lang="en-US" dirty="0">
-                <a:solidFill>
-                  <a:srgbClr val="404040"/>
-                </a:solidFill>
                 <a:latin typeface="Arial" panose="020B0604020202020204" pitchFamily="34" charset="0"/>
                 <a:cs typeface="Arial" panose="020B0604020202020204" pitchFamily="34" charset="0"/>
               </a:rPr>
-              <a:t>5. Include the newly created .</a:t>
+              <a:t>Add a switch case in function </a:t>
             </a:r>
             <a:r>
               <a:rPr lang="en-US" dirty="0" err="1">
-                <a:solidFill>
-                  <a:srgbClr val="404040"/>
-                </a:solidFill>
                 <a:latin typeface="Arial" panose="020B0604020202020204" pitchFamily="34" charset="0"/>
                 <a:cs typeface="Arial" panose="020B0604020202020204" pitchFamily="34" charset="0"/>
               </a:rPr>
-              <a:t>cuh</a:t>
+              <a:t>configure_model</a:t>
             </a:r>
             <a:r>
               <a:rPr lang="en-US" dirty="0">
-                <a:solidFill>
-                  <a:srgbClr val="404040"/>
-                </a:solidFill>
                 <a:latin typeface="Arial" panose="020B0604020202020204" pitchFamily="34" charset="0"/>
                 <a:cs typeface="Arial" panose="020B0604020202020204" pitchFamily="34" charset="0"/>
               </a:rPr>
-              <a:t> file in </a:t>
+              <a:t>() in file </a:t>
             </a:r>
             <a:r>
               <a:rPr lang="en-US" dirty="0" err="1">
-                <a:solidFill>
-                  <a:srgbClr val="404040"/>
-                </a:solidFill>
                 <a:latin typeface="Arial" panose="020B0604020202020204" pitchFamily="34" charset="0"/>
                 <a:cs typeface="Arial" panose="020B0604020202020204" pitchFamily="34" charset="0"/>
               </a:rPr>
               <a:t>models.cuh</a:t>
             </a:r>
-            <a:endParaRPr lang="en-US" b="0" i="0" dirty="0">
-              <a:solidFill>
-                <a:srgbClr val="404040"/>
-              </a:solidFill>
-              <a:effectLst/>
-              <a:latin typeface="Arial" panose="020B0604020202020204" pitchFamily="34" charset="0"/>
-              <a:cs typeface="Arial" panose="020B0604020202020204" pitchFamily="34" charset="0"/>
-            </a:endParaRPr>
+            <a:r>
+              <a:rPr lang="en-US" dirty="0">
+                <a:latin typeface="Arial" panose="020B0604020202020204" pitchFamily="34" charset="0"/>
+                <a:cs typeface="Arial" panose="020B0604020202020204" pitchFamily="34" charset="0"/>
+              </a:rPr>
+              <a:t>.</a:t>
+            </a:r>
           </a:p>
         </p:txBody>
       </p:sp>
       <p:cxnSp>
         <p:nvCxnSpPr>
-          <p:cNvPr id="11" name="Straight Arrow Connector 10">
-            <a:extLst>
-              <a:ext uri="{FF2B5EF4-FFF2-40B4-BE49-F238E27FC236}">
-                <a16:creationId xmlns:a16="http://schemas.microsoft.com/office/drawing/2014/main" id="{9A567FB6-7B99-42ED-852C-DDC32851C02E}"/>
+          <p:cNvPr id="10" name="Straight Arrow Connector 9">
+            <a:extLst>
+              <a:ext uri="{FF2B5EF4-FFF2-40B4-BE49-F238E27FC236}">
+                <a16:creationId xmlns:a16="http://schemas.microsoft.com/office/drawing/2014/main" id="{D13CEA55-B179-4941-A26D-BCBDD8B20986}"/>
               </a:ext>
             </a:extLst>
           </p:cNvPr>
@@ -4738,7 +5168,7 @@
         </p:nvCxnSpPr>
         <p:spPr>
           <a:xfrm flipH="1">
-            <a:off x="1665514" y="384962"/>
+            <a:off x="3936855" y="3266944"/>
             <a:ext cx="604665" cy="247897"/>
           </a:xfrm>
           <a:prstGeom prst="straightConnector1">
@@ -4768,10 +5198,10 @@
       </p:cxnSp>
       <p:sp>
         <p:nvSpPr>
-          <p:cNvPr id="13" name="Rectangle 12">
-            <a:extLst>
-              <a:ext uri="{FF2B5EF4-FFF2-40B4-BE49-F238E27FC236}">
-                <a16:creationId xmlns:a16="http://schemas.microsoft.com/office/drawing/2014/main" id="{7D64B0DE-38EC-4A2A-84D2-DC7175413009}"/>
+          <p:cNvPr id="11" name="Rectangle 10">
+            <a:extLst>
+              <a:ext uri="{FF2B5EF4-FFF2-40B4-BE49-F238E27FC236}">
+                <a16:creationId xmlns:a16="http://schemas.microsoft.com/office/drawing/2014/main" id="{76F58B58-7FE7-466A-BF30-2721D1638D76}"/>
               </a:ext>
             </a:extLst>
           </p:cNvPr>
@@ -4780,8 +5210,8 @@
         </p:nvSpPr>
         <p:spPr>
           <a:xfrm>
-            <a:off x="969337" y="2685142"/>
-            <a:ext cx="1284515" cy="127000"/>
+            <a:off x="390217" y="3588518"/>
+            <a:ext cx="3842149" cy="187580"/>
           </a:xfrm>
           <a:prstGeom prst="rect">
             <a:avLst/>
@@ -4818,162 +5248,10 @@
           </a:p>
         </p:txBody>
       </p:sp>
-      <p:sp>
-        <p:nvSpPr>
-          <p:cNvPr id="14" name="Rectangle 13">
-            <a:extLst>
-              <a:ext uri="{FF2B5EF4-FFF2-40B4-BE49-F238E27FC236}">
-                <a16:creationId xmlns:a16="http://schemas.microsoft.com/office/drawing/2014/main" id="{43C616D1-CDFE-493A-93F0-EC706F6669E4}"/>
-              </a:ext>
-            </a:extLst>
-          </p:cNvPr>
-          <p:cNvSpPr/>
-          <p:nvPr/>
-        </p:nvSpPr>
-        <p:spPr>
-          <a:xfrm>
-            <a:off x="2987040" y="1701363"/>
-            <a:ext cx="6096000" cy="923330"/>
-          </a:xfrm>
-          <a:prstGeom prst="rect">
-            <a:avLst/>
-          </a:prstGeom>
-          <a:solidFill>
-            <a:schemeClr val="bg1"/>
-          </a:solidFill>
-        </p:spPr>
-        <p:txBody>
-          <a:bodyPr>
-            <a:spAutoFit/>
-          </a:bodyPr>
-          <a:lstStyle/>
-          <a:p>
-            <a:r>
-              <a:rPr lang="en-US" dirty="0">
-                <a:latin typeface="Arial" panose="020B0604020202020204" pitchFamily="34" charset="0"/>
-                <a:cs typeface="Arial" panose="020B0604020202020204" pitchFamily="34" charset="0"/>
-              </a:rPr>
-              <a:t>Add a switch case in the CUDA device function </a:t>
-            </a:r>
-            <a:r>
-              <a:rPr lang="en-US" dirty="0" err="1">
-                <a:latin typeface="Arial" panose="020B0604020202020204" pitchFamily="34" charset="0"/>
-                <a:cs typeface="Arial" panose="020B0604020202020204" pitchFamily="34" charset="0"/>
-              </a:rPr>
-              <a:t>calculate_model</a:t>
-            </a:r>
-            <a:r>
-              <a:rPr lang="en-US" dirty="0">
-                <a:latin typeface="Arial" panose="020B0604020202020204" pitchFamily="34" charset="0"/>
-                <a:cs typeface="Arial" panose="020B0604020202020204" pitchFamily="34" charset="0"/>
-              </a:rPr>
-              <a:t>() in file </a:t>
-            </a:r>
-            <a:r>
-              <a:rPr lang="en-US" dirty="0" err="1">
-                <a:latin typeface="Arial" panose="020B0604020202020204" pitchFamily="34" charset="0"/>
-                <a:cs typeface="Arial" panose="020B0604020202020204" pitchFamily="34" charset="0"/>
-              </a:rPr>
-              <a:t>models.cuh</a:t>
-            </a:r>
-            <a:r>
-              <a:rPr lang="en-US" dirty="0">
-                <a:latin typeface="Arial" panose="020B0604020202020204" pitchFamily="34" charset="0"/>
-                <a:cs typeface="Arial" panose="020B0604020202020204" pitchFamily="34" charset="0"/>
-              </a:rPr>
-              <a:t> to allow calling the newly added model function.</a:t>
-            </a:r>
-          </a:p>
-        </p:txBody>
-      </p:sp>
-      <p:cxnSp>
-        <p:nvCxnSpPr>
-          <p:cNvPr id="15" name="Straight Arrow Connector 14">
-            <a:extLst>
-              <a:ext uri="{FF2B5EF4-FFF2-40B4-BE49-F238E27FC236}">
-                <a16:creationId xmlns:a16="http://schemas.microsoft.com/office/drawing/2014/main" id="{186BD85A-40CB-4830-8B82-ED4BA70AA553}"/>
-              </a:ext>
-            </a:extLst>
-          </p:cNvPr>
-          <p:cNvCxnSpPr>
-            <a:cxnSpLocks/>
-          </p:cNvCxnSpPr>
-          <p:nvPr/>
-        </p:nvCxnSpPr>
-        <p:spPr>
-          <a:xfrm flipH="1">
-            <a:off x="2295289" y="2500745"/>
-            <a:ext cx="604665" cy="247897"/>
-          </a:xfrm>
-          <a:prstGeom prst="straightConnector1">
-            <a:avLst/>
-          </a:prstGeom>
-          <a:ln w="38100">
-            <a:solidFill>
-              <a:srgbClr val="FFFF00"/>
-            </a:solidFill>
-            <a:tailEnd type="triangle"/>
-          </a:ln>
-        </p:spPr>
-        <p:style>
-          <a:lnRef idx="1">
-            <a:schemeClr val="accent1"/>
-          </a:lnRef>
-          <a:fillRef idx="0">
-            <a:schemeClr val="accent1"/>
-          </a:fillRef>
-          <a:effectRef idx="0">
-            <a:schemeClr val="accent1"/>
-          </a:effectRef>
-          <a:fontRef idx="minor">
-            <a:schemeClr val="tx1"/>
-          </a:fontRef>
-        </p:style>
-      </p:cxnSp>
-      <p:sp>
-        <p:nvSpPr>
-          <p:cNvPr id="16" name="Rectangle 15">
-            <a:extLst>
-              <a:ext uri="{FF2B5EF4-FFF2-40B4-BE49-F238E27FC236}">
-                <a16:creationId xmlns:a16="http://schemas.microsoft.com/office/drawing/2014/main" id="{A1543F1C-C9AD-4C70-BBBA-5E924C47B3EB}"/>
-              </a:ext>
-            </a:extLst>
-          </p:cNvPr>
-          <p:cNvSpPr/>
-          <p:nvPr/>
-        </p:nvSpPr>
-        <p:spPr>
-          <a:xfrm>
-            <a:off x="4288971" y="2942987"/>
-            <a:ext cx="3304903" cy="369332"/>
-          </a:xfrm>
-          <a:prstGeom prst="rect">
-            <a:avLst/>
-          </a:prstGeom>
-          <a:solidFill>
-            <a:schemeClr val="bg1"/>
-          </a:solidFill>
-        </p:spPr>
-        <p:txBody>
-          <a:bodyPr wrap="square">
-            <a:spAutoFit/>
-          </a:bodyPr>
-          <a:lstStyle/>
-          <a:p>
-            <a:r>
-              <a:rPr lang="en-US" dirty="0">
-                <a:latin typeface="Arial" panose="020B0604020202020204" pitchFamily="34" charset="0"/>
-                <a:cs typeface="Arial" panose="020B0604020202020204" pitchFamily="34" charset="0"/>
-              </a:rPr>
-              <a:t>See the next page (Continued)</a:t>
-            </a:r>
-          </a:p>
-        </p:txBody>
-      </p:sp>
     </p:spTree>
     <p:extLst>
       <p:ext uri="{BB962C8B-B14F-4D97-AF65-F5344CB8AC3E}">
-        <p14:creationId xmlns:p14="http://schemas.microsoft.com/office/powerpoint/2010/main" val="223720225"/>
+        <p14:creationId xmlns:p14="http://schemas.microsoft.com/office/powerpoint/2010/main" val="993588115"/>
       </p:ext>
     </p:extLst>
   </p:cSld>
@@ -5005,7 +5283,7 @@
           <p:cNvPr id="4" name="Picture 3">
             <a:extLst>
               <a:ext uri="{FF2B5EF4-FFF2-40B4-BE49-F238E27FC236}">
-                <a16:creationId xmlns:a16="http://schemas.microsoft.com/office/drawing/2014/main" id="{0DC2C8CF-CB09-42A5-B153-F732F81B7F7D}"/>
+                <a16:creationId xmlns:a16="http://schemas.microsoft.com/office/drawing/2014/main" id="{9B715F52-9DFD-46E3-AEF1-71EF828677F4}"/>
               </a:ext>
             </a:extLst>
           </p:cNvPr>
@@ -5014,16 +5292,15 @@
           </p:cNvPicPr>
           <p:nvPr/>
         </p:nvPicPr>
-        <p:blipFill>
+        <p:blipFill rotWithShape="1">
           <a:blip r:embed="rId2"/>
-          <a:stretch>
-            <a:fillRect/>
-          </a:stretch>
+          <a:srcRect l="34214" r="23500" b="2905"/>
+          <a:stretch/>
         </p:blipFill>
         <p:spPr>
           <a:xfrm>
-            <a:off x="0" y="200772"/>
-            <a:ext cx="12192000" cy="6456456"/>
+            <a:off x="1419497" y="89265"/>
+            <a:ext cx="8020594" cy="6906246"/>
           </a:xfrm>
           <a:prstGeom prst="rect">
             <a:avLst/>
@@ -5035,7 +5312,7 @@
           <p:cNvPr id="5" name="Rectangle 4">
             <a:extLst>
               <a:ext uri="{FF2B5EF4-FFF2-40B4-BE49-F238E27FC236}">
-                <a16:creationId xmlns:a16="http://schemas.microsoft.com/office/drawing/2014/main" id="{388D0915-2098-4B25-8EDF-ECED9D453CFE}"/>
+                <a16:creationId xmlns:a16="http://schemas.microsoft.com/office/drawing/2014/main" id="{116954D2-9699-4298-ACA5-59EA57D41A43}"/>
               </a:ext>
             </a:extLst>
           </p:cNvPr>
@@ -5044,8 +5321,8 @@
         </p:nvSpPr>
         <p:spPr>
           <a:xfrm>
-            <a:off x="434051" y="2560320"/>
-            <a:ext cx="6241069" cy="281069"/>
+            <a:off x="2656113" y="862735"/>
+            <a:ext cx="2551613" cy="251962"/>
           </a:xfrm>
           <a:prstGeom prst="rect">
             <a:avLst/>
@@ -5087,7 +5364,7 @@
           <p:cNvPr id="6" name="Rectangle 5">
             <a:extLst>
               <a:ext uri="{FF2B5EF4-FFF2-40B4-BE49-F238E27FC236}">
-                <a16:creationId xmlns:a16="http://schemas.microsoft.com/office/drawing/2014/main" id="{0F148880-23F3-4A6F-9074-E54507BB711E}"/>
+                <a16:creationId xmlns:a16="http://schemas.microsoft.com/office/drawing/2014/main" id="{2870B68B-C1A4-4420-9FF1-97DB858ACEE3}"/>
               </a:ext>
             </a:extLst>
           </p:cNvPr>
@@ -5096,60 +5373,8 @@
         </p:nvSpPr>
         <p:spPr>
           <a:xfrm>
-            <a:off x="522514" y="5200938"/>
-            <a:ext cx="2873830" cy="102582"/>
-          </a:xfrm>
-          <a:prstGeom prst="rect">
-            <a:avLst/>
-          </a:prstGeom>
-          <a:noFill/>
-          <a:ln w="12700">
-            <a:solidFill>
-              <a:srgbClr val="FF0000"/>
-            </a:solidFill>
-          </a:ln>
-        </p:spPr>
-        <p:style>
-          <a:lnRef idx="2">
-            <a:schemeClr val="accent1">
-              <a:shade val="50000"/>
-            </a:schemeClr>
-          </a:lnRef>
-          <a:fillRef idx="1">
-            <a:schemeClr val="accent1"/>
-          </a:fillRef>
-          <a:effectRef idx="0">
-            <a:schemeClr val="accent1"/>
-          </a:effectRef>
-          <a:fontRef idx="minor">
-            <a:schemeClr val="lt1"/>
-          </a:fontRef>
-        </p:style>
-        <p:txBody>
-          <a:bodyPr rtlCol="0" anchor="ctr"/>
-          <a:lstStyle/>
-          <a:p>
-            <a:pPr algn="ctr"/>
-            <a:endParaRPr lang="en-US"/>
-          </a:p>
-        </p:txBody>
-      </p:sp>
-      <p:sp>
-        <p:nvSpPr>
-          <p:cNvPr id="9" name="Rectangle 8">
-            <a:extLst>
-              <a:ext uri="{FF2B5EF4-FFF2-40B4-BE49-F238E27FC236}">
-                <a16:creationId xmlns:a16="http://schemas.microsoft.com/office/drawing/2014/main" id="{FC54575B-C30C-4F63-9470-A55908E5DD1A}"/>
-              </a:ext>
-            </a:extLst>
-          </p:cNvPr>
-          <p:cNvSpPr/>
-          <p:nvPr/>
-        </p:nvSpPr>
-        <p:spPr>
-          <a:xfrm>
-            <a:off x="4541520" y="3005687"/>
-            <a:ext cx="4611189" cy="646331"/>
+            <a:off x="5615566" y="245506"/>
+            <a:ext cx="3185487" cy="369332"/>
           </a:xfrm>
           <a:prstGeom prst="rect">
             <a:avLst/>
@@ -5159,55 +5384,51 @@
           </a:solidFill>
         </p:spPr>
         <p:txBody>
-          <a:bodyPr wrap="square">
+          <a:bodyPr wrap="none">
             <a:spAutoFit/>
           </a:bodyPr>
           <a:lstStyle/>
           <a:p>
             <a:r>
               <a:rPr lang="en-US" dirty="0">
+                <a:solidFill>
+                  <a:srgbClr val="404040"/>
+                </a:solidFill>
                 <a:latin typeface="Arial" panose="020B0604020202020204" pitchFamily="34" charset="0"/>
                 <a:cs typeface="Arial" panose="020B0604020202020204" pitchFamily="34" charset="0"/>
               </a:rPr>
-              <a:t>Add a switch case in function </a:t>
+              <a:t>6. Re-build the </a:t>
             </a:r>
             <a:r>
               <a:rPr lang="en-US" dirty="0" err="1">
+                <a:solidFill>
+                  <a:srgbClr val="404040"/>
+                </a:solidFill>
                 <a:latin typeface="Arial" panose="020B0604020202020204" pitchFamily="34" charset="0"/>
                 <a:cs typeface="Arial" panose="020B0604020202020204" pitchFamily="34" charset="0"/>
               </a:rPr>
-              <a:t>configure_model</a:t>
+              <a:t>Gpufit</a:t>
             </a:r>
             <a:r>
               <a:rPr lang="en-US" dirty="0">
+                <a:solidFill>
+                  <a:srgbClr val="404040"/>
+                </a:solidFill>
                 <a:latin typeface="Arial" panose="020B0604020202020204" pitchFamily="34" charset="0"/>
                 <a:cs typeface="Arial" panose="020B0604020202020204" pitchFamily="34" charset="0"/>
               </a:rPr>
-              <a:t>() in file </a:t>
-            </a:r>
-            <a:r>
-              <a:rPr lang="en-US" dirty="0" err="1">
-                <a:latin typeface="Arial" panose="020B0604020202020204" pitchFamily="34" charset="0"/>
-                <a:cs typeface="Arial" panose="020B0604020202020204" pitchFamily="34" charset="0"/>
-              </a:rPr>
-              <a:t>models.cuh</a:t>
-            </a:r>
-            <a:r>
-              <a:rPr lang="en-US" dirty="0">
-                <a:latin typeface="Arial" panose="020B0604020202020204" pitchFamily="34" charset="0"/>
-                <a:cs typeface="Arial" panose="020B0604020202020204" pitchFamily="34" charset="0"/>
-              </a:rPr>
-              <a:t>.</a:t>
-            </a:r>
+              <a:t> project.</a:t>
+            </a:r>
+            <a:endParaRPr lang="en-US" dirty="0"/>
           </a:p>
         </p:txBody>
       </p:sp>
       <p:cxnSp>
         <p:nvCxnSpPr>
-          <p:cNvPr id="10" name="Straight Arrow Connector 9">
-            <a:extLst>
-              <a:ext uri="{FF2B5EF4-FFF2-40B4-BE49-F238E27FC236}">
-                <a16:creationId xmlns:a16="http://schemas.microsoft.com/office/drawing/2014/main" id="{D13CEA55-B179-4941-A26D-BCBDD8B20986}"/>
+          <p:cNvPr id="7" name="Straight Arrow Connector 6">
+            <a:extLst>
+              <a:ext uri="{FF2B5EF4-FFF2-40B4-BE49-F238E27FC236}">
+                <a16:creationId xmlns:a16="http://schemas.microsoft.com/office/drawing/2014/main" id="{286C3A06-9007-4760-8A27-D89972DE7FD2}"/>
               </a:ext>
             </a:extLst>
           </p:cNvPr>
@@ -5218,7 +5439,7 @@
         </p:nvCxnSpPr>
         <p:spPr>
           <a:xfrm flipH="1">
-            <a:off x="3936855" y="3266944"/>
+            <a:off x="5098716" y="614838"/>
             <a:ext cx="604665" cy="247897"/>
           </a:xfrm>
           <a:prstGeom prst="straightConnector1">
@@ -5246,62 +5467,10 @@
           </a:fontRef>
         </p:style>
       </p:cxnSp>
-      <p:sp>
-        <p:nvSpPr>
-          <p:cNvPr id="11" name="Rectangle 10">
-            <a:extLst>
-              <a:ext uri="{FF2B5EF4-FFF2-40B4-BE49-F238E27FC236}">
-                <a16:creationId xmlns:a16="http://schemas.microsoft.com/office/drawing/2014/main" id="{76F58B58-7FE7-466A-BF30-2721D1638D76}"/>
-              </a:ext>
-            </a:extLst>
-          </p:cNvPr>
-          <p:cNvSpPr/>
-          <p:nvPr/>
-        </p:nvSpPr>
-        <p:spPr>
-          <a:xfrm>
-            <a:off x="390217" y="3588518"/>
-            <a:ext cx="3842149" cy="187580"/>
-          </a:xfrm>
-          <a:prstGeom prst="rect">
-            <a:avLst/>
-          </a:prstGeom>
-          <a:noFill/>
-          <a:ln w="12700">
-            <a:solidFill>
-              <a:srgbClr val="FF0000"/>
-            </a:solidFill>
-          </a:ln>
-        </p:spPr>
-        <p:style>
-          <a:lnRef idx="2">
-            <a:schemeClr val="accent1">
-              <a:shade val="50000"/>
-            </a:schemeClr>
-          </a:lnRef>
-          <a:fillRef idx="1">
-            <a:schemeClr val="accent1"/>
-          </a:fillRef>
-          <a:effectRef idx="0">
-            <a:schemeClr val="accent1"/>
-          </a:effectRef>
-          <a:fontRef idx="minor">
-            <a:schemeClr val="lt1"/>
-          </a:fontRef>
-        </p:style>
-        <p:txBody>
-          <a:bodyPr rtlCol="0" anchor="ctr"/>
-          <a:lstStyle/>
-          <a:p>
-            <a:pPr algn="ctr"/>
-            <a:endParaRPr lang="en-US"/>
-          </a:p>
-        </p:txBody>
-      </p:sp>
     </p:spTree>
     <p:extLst>
       <p:ext uri="{BB962C8B-B14F-4D97-AF65-F5344CB8AC3E}">
-        <p14:creationId xmlns:p14="http://schemas.microsoft.com/office/powerpoint/2010/main" val="993588115"/>
+        <p14:creationId xmlns:p14="http://schemas.microsoft.com/office/powerpoint/2010/main" val="3518469639"/>
       </p:ext>
     </p:extLst>
   </p:cSld>
@@ -5333,7 +5502,7 @@
           <p:cNvPr id="4" name="Picture 3">
             <a:extLst>
               <a:ext uri="{FF2B5EF4-FFF2-40B4-BE49-F238E27FC236}">
-                <a16:creationId xmlns:a16="http://schemas.microsoft.com/office/drawing/2014/main" id="{9B715F52-9DFD-46E3-AEF1-71EF828677F4}"/>
+                <a16:creationId xmlns:a16="http://schemas.microsoft.com/office/drawing/2014/main" id="{92C63E1D-8C47-4DBD-990C-C3579BF40DBA}"/>
               </a:ext>
             </a:extLst>
           </p:cNvPr>
@@ -5342,15 +5511,15 @@
           </p:cNvPicPr>
           <p:nvPr/>
         </p:nvPicPr>
-        <p:blipFill rotWithShape="1">
+        <p:blipFill>
           <a:blip r:embed="rId2"/>
-          <a:srcRect l="34214" r="23500" b="2905"/>
+          <a:srcRect t="4836"/>
           <a:stretch/>
         </p:blipFill>
         <p:spPr>
           <a:xfrm>
-            <a:off x="1419497" y="89265"/>
-            <a:ext cx="8020594" cy="6906246"/>
+            <a:off x="393443" y="544944"/>
+            <a:ext cx="7513940" cy="5975613"/>
           </a:xfrm>
           <a:prstGeom prst="rect">
             <a:avLst/>
@@ -5359,10 +5528,10 @@
       </p:pic>
       <p:sp>
         <p:nvSpPr>
-          <p:cNvPr id="5" name="Rectangle 4">
-            <a:extLst>
-              <a:ext uri="{FF2B5EF4-FFF2-40B4-BE49-F238E27FC236}">
-                <a16:creationId xmlns:a16="http://schemas.microsoft.com/office/drawing/2014/main" id="{116954D2-9699-4298-ACA5-59EA57D41A43}"/>
+          <p:cNvPr id="6" name="Rectangle 5">
+            <a:extLst>
+              <a:ext uri="{FF2B5EF4-FFF2-40B4-BE49-F238E27FC236}">
+                <a16:creationId xmlns:a16="http://schemas.microsoft.com/office/drawing/2014/main" id="{4F11A825-EDDC-4047-902F-FE36C9A13056}"/>
               </a:ext>
             </a:extLst>
           </p:cNvPr>
@@ -5371,14 +5540,14 @@
         </p:nvSpPr>
         <p:spPr>
           <a:xfrm>
-            <a:off x="2656113" y="862735"/>
-            <a:ext cx="2551613" cy="251962"/>
+            <a:off x="1166949" y="5205186"/>
+            <a:ext cx="1541417" cy="186211"/>
           </a:xfrm>
           <a:prstGeom prst="rect">
             <a:avLst/>
           </a:prstGeom>
           <a:noFill/>
-          <a:ln w="12700">
+          <a:ln w="19050">
             <a:solidFill>
               <a:srgbClr val="FF0000"/>
             </a:solidFill>
@@ -5411,10 +5580,10 @@
       </p:sp>
       <p:sp>
         <p:nvSpPr>
-          <p:cNvPr id="6" name="Rectangle 5">
-            <a:extLst>
-              <a:ext uri="{FF2B5EF4-FFF2-40B4-BE49-F238E27FC236}">
-                <a16:creationId xmlns:a16="http://schemas.microsoft.com/office/drawing/2014/main" id="{2870B68B-C1A4-4420-9FF1-97DB858ACEE3}"/>
+          <p:cNvPr id="7" name="Rectangle 6">
+            <a:extLst>
+              <a:ext uri="{FF2B5EF4-FFF2-40B4-BE49-F238E27FC236}">
+                <a16:creationId xmlns:a16="http://schemas.microsoft.com/office/drawing/2014/main" id="{3D98C155-EC6A-4D14-B363-E406F8D2E981}"/>
               </a:ext>
             </a:extLst>
           </p:cNvPr>
@@ -5423,8 +5592,8 @@
         </p:nvSpPr>
         <p:spPr>
           <a:xfrm>
-            <a:off x="5615566" y="245506"/>
-            <a:ext cx="3185487" cy="369332"/>
+            <a:off x="3017520" y="4173427"/>
+            <a:ext cx="4611189" cy="369332"/>
           </a:xfrm>
           <a:prstGeom prst="rect">
             <a:avLst/>
@@ -5434,51 +5603,27 @@
           </a:solidFill>
         </p:spPr>
         <p:txBody>
-          <a:bodyPr wrap="none">
+          <a:bodyPr wrap="square">
             <a:spAutoFit/>
           </a:bodyPr>
           <a:lstStyle/>
           <a:p>
             <a:r>
               <a:rPr lang="en-US" dirty="0">
-                <a:solidFill>
-                  <a:srgbClr val="404040"/>
-                </a:solidFill>
                 <a:latin typeface="Arial" panose="020B0604020202020204" pitchFamily="34" charset="0"/>
                 <a:cs typeface="Arial" panose="020B0604020202020204" pitchFamily="34" charset="0"/>
               </a:rPr>
-              <a:t>6. Re-build the </a:t>
-            </a:r>
-            <a:r>
-              <a:rPr lang="en-US" dirty="0" err="1">
-                <a:solidFill>
-                  <a:srgbClr val="404040"/>
-                </a:solidFill>
-                <a:latin typeface="Arial" panose="020B0604020202020204" pitchFamily="34" charset="0"/>
-                <a:cs typeface="Arial" panose="020B0604020202020204" pitchFamily="34" charset="0"/>
-              </a:rPr>
-              <a:t>Gpufit</a:t>
-            </a:r>
-            <a:r>
-              <a:rPr lang="en-US" dirty="0">
-                <a:solidFill>
-                  <a:srgbClr val="404040"/>
-                </a:solidFill>
-                <a:latin typeface="Arial" panose="020B0604020202020204" pitchFamily="34" charset="0"/>
-                <a:cs typeface="Arial" panose="020B0604020202020204" pitchFamily="34" charset="0"/>
-              </a:rPr>
-              <a:t> project.</a:t>
-            </a:r>
-            <a:endParaRPr lang="en-US" dirty="0"/>
+              <a:t>7. Add the model ID in file gpufit.py</a:t>
+            </a:r>
           </a:p>
         </p:txBody>
       </p:sp>
       <p:cxnSp>
         <p:nvCxnSpPr>
-          <p:cNvPr id="7" name="Straight Arrow Connector 6">
-            <a:extLst>
-              <a:ext uri="{FF2B5EF4-FFF2-40B4-BE49-F238E27FC236}">
-                <a16:creationId xmlns:a16="http://schemas.microsoft.com/office/drawing/2014/main" id="{286C3A06-9007-4760-8A27-D89972DE7FD2}"/>
+          <p:cNvPr id="8" name="Straight Arrow Connector 7">
+            <a:extLst>
+              <a:ext uri="{FF2B5EF4-FFF2-40B4-BE49-F238E27FC236}">
+                <a16:creationId xmlns:a16="http://schemas.microsoft.com/office/drawing/2014/main" id="{F3BB60DA-A52D-4109-9938-CC23C5474663}"/>
               </a:ext>
             </a:extLst>
           </p:cNvPr>
@@ -5489,8 +5634,8 @@
         </p:nvCxnSpPr>
         <p:spPr>
           <a:xfrm flipH="1">
-            <a:off x="5098716" y="614838"/>
-            <a:ext cx="604665" cy="247897"/>
+            <a:off x="2368731" y="4434684"/>
+            <a:ext cx="648790" cy="770502"/>
           </a:xfrm>
           <a:prstGeom prst="straightConnector1">
             <a:avLst/>
@@ -5517,72 +5662,12 @@
           </a:fontRef>
         </p:style>
       </p:cxnSp>
-    </p:spTree>
-    <p:extLst>
-      <p:ext uri="{BB962C8B-B14F-4D97-AF65-F5344CB8AC3E}">
-        <p14:creationId xmlns:p14="http://schemas.microsoft.com/office/powerpoint/2010/main" val="3518469639"/>
-      </p:ext>
-    </p:extLst>
-  </p:cSld>
-  <p:clrMapOvr>
-    <a:masterClrMapping/>
-  </p:clrMapOvr>
-</p:sld>
-</file>
-
-<file path=ppt/slides/slide8.xml><?xml version="1.0" encoding="utf-8"?>
-<p:sld xmlns:a="http://schemas.openxmlformats.org/drawingml/2006/main" xmlns:r="http://schemas.openxmlformats.org/officeDocument/2006/relationships" xmlns:p="http://schemas.openxmlformats.org/presentationml/2006/main">
-  <p:cSld>
-    <p:spTree>
-      <p:nvGrpSpPr>
-        <p:cNvPr id="1" name=""/>
-        <p:cNvGrpSpPr/>
-        <p:nvPr/>
-      </p:nvGrpSpPr>
-      <p:grpSpPr>
-        <a:xfrm>
-          <a:off x="0" y="0"/>
-          <a:ext cx="0" cy="0"/>
-          <a:chOff x="0" y="0"/>
-          <a:chExt cx="0" cy="0"/>
-        </a:xfrm>
-      </p:grpSpPr>
-      <p:pic>
-        <p:nvPicPr>
-          <p:cNvPr id="4" name="Picture 3">
-            <a:extLst>
-              <a:ext uri="{FF2B5EF4-FFF2-40B4-BE49-F238E27FC236}">
-                <a16:creationId xmlns:a16="http://schemas.microsoft.com/office/drawing/2014/main" id="{92C63E1D-8C47-4DBD-990C-C3579BF40DBA}"/>
-              </a:ext>
-            </a:extLst>
-          </p:cNvPr>
-          <p:cNvPicPr>
-            <a:picLocks noChangeAspect="1"/>
-          </p:cNvPicPr>
-          <p:nvPr/>
-        </p:nvPicPr>
-        <p:blipFill>
-          <a:blip r:embed="rId2"/>
-          <a:stretch>
-            <a:fillRect/>
-          </a:stretch>
-        </p:blipFill>
-        <p:spPr>
-          <a:xfrm>
-            <a:off x="1307843" y="379848"/>
-            <a:ext cx="7513940" cy="6279256"/>
-          </a:xfrm>
-          <a:prstGeom prst="rect">
-            <a:avLst/>
-          </a:prstGeom>
-        </p:spPr>
-      </p:pic>
-      <p:sp>
-        <p:nvSpPr>
-          <p:cNvPr id="5" name="Rectangle 4">
-            <a:extLst>
-              <a:ext uri="{FF2B5EF4-FFF2-40B4-BE49-F238E27FC236}">
-                <a16:creationId xmlns:a16="http://schemas.microsoft.com/office/drawing/2014/main" id="{4A2692DD-F9F2-4A99-82FB-098494EDB06F}"/>
+      <p:sp>
+        <p:nvSpPr>
+          <p:cNvPr id="2" name="Rectangle 1">
+            <a:extLst>
+              <a:ext uri="{FF2B5EF4-FFF2-40B4-BE49-F238E27FC236}">
+                <a16:creationId xmlns:a16="http://schemas.microsoft.com/office/drawing/2014/main" id="{2CDF74B1-2FBD-7662-3845-4ADEA7E9C828}"/>
               </a:ext>
             </a:extLst>
           </p:cNvPr>
@@ -5591,112 +5676,8 @@
         </p:nvSpPr>
         <p:spPr>
           <a:xfrm>
-            <a:off x="1307843" y="397264"/>
-            <a:ext cx="4213391" cy="430049"/>
-          </a:xfrm>
-          <a:prstGeom prst="rect">
-            <a:avLst/>
-          </a:prstGeom>
-          <a:noFill/>
-          <a:ln w="28575">
-            <a:solidFill>
-              <a:srgbClr val="FF0000"/>
-            </a:solidFill>
-          </a:ln>
-        </p:spPr>
-        <p:style>
-          <a:lnRef idx="2">
-            <a:schemeClr val="accent1">
-              <a:shade val="50000"/>
-            </a:schemeClr>
-          </a:lnRef>
-          <a:fillRef idx="1">
-            <a:schemeClr val="accent1"/>
-          </a:fillRef>
-          <a:effectRef idx="0">
-            <a:schemeClr val="accent1"/>
-          </a:effectRef>
-          <a:fontRef idx="minor">
-            <a:schemeClr val="lt1"/>
-          </a:fontRef>
-        </p:style>
-        <p:txBody>
-          <a:bodyPr rtlCol="0" anchor="ctr"/>
-          <a:lstStyle/>
-          <a:p>
-            <a:pPr algn="ctr"/>
-            <a:endParaRPr lang="en-US"/>
-          </a:p>
-        </p:txBody>
-      </p:sp>
-      <p:sp>
-        <p:nvSpPr>
-          <p:cNvPr id="6" name="Rectangle 5">
-            <a:extLst>
-              <a:ext uri="{FF2B5EF4-FFF2-40B4-BE49-F238E27FC236}">
-                <a16:creationId xmlns:a16="http://schemas.microsoft.com/office/drawing/2014/main" id="{4F11A825-EDDC-4047-902F-FE36C9A13056}"/>
-              </a:ext>
-            </a:extLst>
-          </p:cNvPr>
-          <p:cNvSpPr/>
-          <p:nvPr/>
-        </p:nvSpPr>
-        <p:spPr>
-          <a:xfrm>
-            <a:off x="2081349" y="5343732"/>
-            <a:ext cx="1541417" cy="186211"/>
-          </a:xfrm>
-          <a:prstGeom prst="rect">
-            <a:avLst/>
-          </a:prstGeom>
-          <a:noFill/>
-          <a:ln w="19050">
-            <a:solidFill>
-              <a:srgbClr val="FF0000"/>
-            </a:solidFill>
-          </a:ln>
-        </p:spPr>
-        <p:style>
-          <a:lnRef idx="2">
-            <a:schemeClr val="accent1">
-              <a:shade val="50000"/>
-            </a:schemeClr>
-          </a:lnRef>
-          <a:fillRef idx="1">
-            <a:schemeClr val="accent1"/>
-          </a:fillRef>
-          <a:effectRef idx="0">
-            <a:schemeClr val="accent1"/>
-          </a:effectRef>
-          <a:fontRef idx="minor">
-            <a:schemeClr val="lt1"/>
-          </a:fontRef>
-        </p:style>
-        <p:txBody>
-          <a:bodyPr rtlCol="0" anchor="ctr"/>
-          <a:lstStyle/>
-          <a:p>
-            <a:pPr algn="ctr"/>
-            <a:endParaRPr lang="en-US"/>
-          </a:p>
-        </p:txBody>
-      </p:sp>
-      <p:sp>
-        <p:nvSpPr>
-          <p:cNvPr id="7" name="Rectangle 6">
-            <a:extLst>
-              <a:ext uri="{FF2B5EF4-FFF2-40B4-BE49-F238E27FC236}">
-                <a16:creationId xmlns:a16="http://schemas.microsoft.com/office/drawing/2014/main" id="{3D98C155-EC6A-4D14-B363-E406F8D2E981}"/>
-              </a:ext>
-            </a:extLst>
-          </p:cNvPr>
-          <p:cNvSpPr/>
-          <p:nvPr/>
-        </p:nvSpPr>
-        <p:spPr>
-          <a:xfrm>
-            <a:off x="3931920" y="4311973"/>
-            <a:ext cx="4611189" cy="369332"/>
+            <a:off x="393443" y="175612"/>
+            <a:ext cx="2517305" cy="369332"/>
           </a:xfrm>
           <a:prstGeom prst="rect">
             <a:avLst/>
@@ -5704,6 +5685,11 @@
           <a:solidFill>
             <a:schemeClr val="bg1"/>
           </a:solidFill>
+          <a:ln>
+            <a:solidFill>
+              <a:srgbClr val="FF0000"/>
+            </a:solidFill>
+          </a:ln>
         </p:spPr>
         <p:txBody>
           <a:bodyPr wrap="square">
@@ -5716,55 +5702,83 @@
                 <a:latin typeface="Arial" panose="020B0604020202020204" pitchFamily="34" charset="0"/>
                 <a:cs typeface="Arial" panose="020B0604020202020204" pitchFamily="34" charset="0"/>
               </a:rPr>
-              <a:t>Add the model ID in file gpufit.py</a:t>
-            </a:r>
-          </a:p>
-        </p:txBody>
-      </p:sp>
-      <p:cxnSp>
-        <p:nvCxnSpPr>
-          <p:cNvPr id="8" name="Straight Arrow Connector 7">
-            <a:extLst>
-              <a:ext uri="{FF2B5EF4-FFF2-40B4-BE49-F238E27FC236}">
-                <a16:creationId xmlns:a16="http://schemas.microsoft.com/office/drawing/2014/main" id="{F3BB60DA-A52D-4109-9938-CC23C5474663}"/>
-              </a:ext>
-            </a:extLst>
-          </p:cNvPr>
-          <p:cNvCxnSpPr>
-            <a:cxnSpLocks/>
-          </p:cNvCxnSpPr>
+              <a:t>VLIV/pygpufit/gpufit.py</a:t>
+            </a:r>
+          </a:p>
+        </p:txBody>
+      </p:sp>
+      <p:sp>
+        <p:nvSpPr>
+          <p:cNvPr id="3" name="Rectangle 2">
+            <a:extLst>
+              <a:ext uri="{FF2B5EF4-FFF2-40B4-BE49-F238E27FC236}">
+                <a16:creationId xmlns:a16="http://schemas.microsoft.com/office/drawing/2014/main" id="{BC1F6517-DBCE-B191-66CC-7D1D934F1F09}"/>
+              </a:ext>
+            </a:extLst>
+          </p:cNvPr>
+          <p:cNvSpPr/>
           <p:nvPr/>
-        </p:nvCxnSpPr>
-        <p:spPr>
-          <a:xfrm flipH="1">
-            <a:off x="3283131" y="4573230"/>
-            <a:ext cx="648790" cy="770502"/>
-          </a:xfrm>
-          <a:prstGeom prst="straightConnector1">
+        </p:nvSpPr>
+        <p:spPr>
+          <a:xfrm>
+            <a:off x="7526038" y="5597227"/>
+            <a:ext cx="4586554" cy="923330"/>
+          </a:xfrm>
+          <a:prstGeom prst="rect">
             <a:avLst/>
           </a:prstGeom>
-          <a:ln w="38100">
-            <a:solidFill>
-              <a:srgbClr val="FFFF00"/>
-            </a:solidFill>
-            <a:tailEnd type="triangle"/>
-          </a:ln>
-        </p:spPr>
-        <p:style>
-          <a:lnRef idx="1">
-            <a:schemeClr val="accent1"/>
-          </a:lnRef>
-          <a:fillRef idx="0">
-            <a:schemeClr val="accent1"/>
-          </a:fillRef>
-          <a:effectRef idx="0">
-            <a:schemeClr val="accent1"/>
-          </a:effectRef>
-          <a:fontRef idx="minor">
-            <a:schemeClr val="tx1"/>
-          </a:fontRef>
-        </p:style>
-      </p:cxnSp>
+          <a:solidFill>
+            <a:schemeClr val="bg1"/>
+          </a:solidFill>
+        </p:spPr>
+        <p:txBody>
+          <a:bodyPr wrap="square">
+            <a:spAutoFit/>
+          </a:bodyPr>
+          <a:lstStyle/>
+          <a:p>
+            <a:r>
+              <a:rPr lang="en-US" dirty="0">
+                <a:latin typeface="Arial" panose="020B0604020202020204" pitchFamily="34" charset="0"/>
+                <a:cs typeface="Arial" panose="020B0604020202020204" pitchFamily="34" charset="0"/>
+              </a:rPr>
+              <a:t>8. Add    (1) “Gpufit.dll”</a:t>
+            </a:r>
+          </a:p>
+          <a:p>
+            <a:r>
+              <a:rPr lang="en-US" dirty="0">
+                <a:latin typeface="Arial" panose="020B0604020202020204" pitchFamily="34" charset="0"/>
+                <a:cs typeface="Arial" panose="020B0604020202020204" pitchFamily="34" charset="0"/>
+              </a:rPr>
+              <a:t>	(2) “gpufit.py”</a:t>
+            </a:r>
+          </a:p>
+          <a:p>
+            <a:r>
+              <a:rPr lang="en-US" dirty="0">
+                <a:latin typeface="Arial" panose="020B0604020202020204" pitchFamily="34" charset="0"/>
+                <a:cs typeface="Arial" panose="020B0604020202020204" pitchFamily="34" charset="0"/>
+              </a:rPr>
+              <a:t>in the location of “Program/VLIV/</a:t>
+            </a:r>
+            <a:r>
+              <a:rPr lang="en-US" dirty="0" err="1">
+                <a:latin typeface="Arial" panose="020B0604020202020204" pitchFamily="34" charset="0"/>
+                <a:cs typeface="Arial" panose="020B0604020202020204" pitchFamily="34" charset="0"/>
+              </a:rPr>
+              <a:t>pygpufit</a:t>
+            </a:r>
+            <a:r>
+              <a:rPr lang="en-US" dirty="0">
+                <a:latin typeface="Arial" panose="020B0604020202020204" pitchFamily="34" charset="0"/>
+                <a:cs typeface="Arial" panose="020B0604020202020204" pitchFamily="34" charset="0"/>
+              </a:rPr>
+              <a:t>/”.</a:t>
+            </a:r>
+          </a:p>
+        </p:txBody>
+      </p:sp>
     </p:spTree>
     <p:extLst>
       <p:ext uri="{BB962C8B-B14F-4D97-AF65-F5344CB8AC3E}">
